--- a/Template_Presentation_Students.pptx
+++ b/Template_Presentation_Students.pptx
@@ -4,6 +4,9 @@
   <p:sldMasterIdLst>
     <p:sldMasterId id="2147483648" r:id="rId1"/>
   </p:sldMasterIdLst>
+  <p:notesMasterIdLst>
+    <p:notesMasterId r:id="rId12"/>
+  </p:notesMasterIdLst>
   <p:sldIdLst>
     <p:sldId id="256" r:id="rId2"/>
     <p:sldId id="257" r:id="rId3"/>
@@ -132,6 +135,444 @@
 </p:presentation>
 </file>
 
+<file path=ppt/notesMasters/notesMaster1.xml><?xml version="1.0" encoding="utf-8"?>
+<p:notesMaster xmlns:a="http://schemas.openxmlformats.org/drawingml/2006/main" xmlns:r="http://schemas.openxmlformats.org/officeDocument/2006/relationships" xmlns:p="http://schemas.openxmlformats.org/presentationml/2006/main">
+  <p:cSld>
+    <p:bg>
+      <p:bgRef idx="1001">
+        <a:schemeClr val="bg1"/>
+      </p:bgRef>
+    </p:bg>
+    <p:spTree>
+      <p:nvGrpSpPr>
+        <p:cNvPr id="1" name=""/>
+        <p:cNvGrpSpPr/>
+        <p:nvPr/>
+      </p:nvGrpSpPr>
+      <p:grpSpPr>
+        <a:xfrm>
+          <a:off x="0" y="0"/>
+          <a:ext cx="0" cy="0"/>
+          <a:chOff x="0" y="0"/>
+          <a:chExt cx="0" cy="0"/>
+        </a:xfrm>
+      </p:grpSpPr>
+      <p:sp>
+        <p:nvSpPr>
+          <p:cNvPr id="2" name="Header Placeholder 1"/>
+          <p:cNvSpPr>
+            <a:spLocks noGrp="1"/>
+          </p:cNvSpPr>
+          <p:nvPr>
+            <p:ph type="hdr" sz="quarter"/>
+          </p:nvPr>
+        </p:nvSpPr>
+        <p:spPr>
+          <a:xfrm>
+            <a:off x="0" y="0"/>
+            <a:ext cx="5283200" cy="344488"/>
+          </a:xfrm>
+          <a:prstGeom prst="rect">
+            <a:avLst/>
+          </a:prstGeom>
+        </p:spPr>
+        <p:txBody>
+          <a:bodyPr vert="horz" lIns="91440" tIns="45720" rIns="91440" bIns="45720" rtlCol="0"/>
+          <a:lstStyle>
+            <a:lvl1pPr algn="l">
+              <a:defRPr sz="1200"/>
+            </a:lvl1pPr>
+          </a:lstStyle>
+          <a:p>
+            <a:endParaRPr lang="en-IN"/>
+          </a:p>
+        </p:txBody>
+      </p:sp>
+      <p:sp>
+        <p:nvSpPr>
+          <p:cNvPr id="3" name="Date Placeholder 2"/>
+          <p:cNvSpPr>
+            <a:spLocks noGrp="1"/>
+          </p:cNvSpPr>
+          <p:nvPr>
+            <p:ph type="dt" idx="1"/>
+          </p:nvPr>
+        </p:nvSpPr>
+        <p:spPr>
+          <a:xfrm>
+            <a:off x="6905625" y="0"/>
+            <a:ext cx="5283200" cy="344488"/>
+          </a:xfrm>
+          <a:prstGeom prst="rect">
+            <a:avLst/>
+          </a:prstGeom>
+        </p:spPr>
+        <p:txBody>
+          <a:bodyPr vert="horz" lIns="91440" tIns="45720" rIns="91440" bIns="45720" rtlCol="0"/>
+          <a:lstStyle>
+            <a:lvl1pPr algn="r">
+              <a:defRPr sz="1200"/>
+            </a:lvl1pPr>
+          </a:lstStyle>
+          <a:p>
+            <a:fld id="{EA5E734D-DB37-40DB-9B93-04BA2FA20DC8}" type="datetimeFigureOut">
+              <a:rPr lang="en-IN" smtClean="0"/>
+              <a:t>12-06-2024</a:t>
+            </a:fld>
+            <a:endParaRPr lang="en-IN"/>
+          </a:p>
+        </p:txBody>
+      </p:sp>
+      <p:sp>
+        <p:nvSpPr>
+          <p:cNvPr id="4" name="Slide Image Placeholder 3"/>
+          <p:cNvSpPr>
+            <a:spLocks noGrp="1" noRot="1" noChangeAspect="1"/>
+          </p:cNvSpPr>
+          <p:nvPr>
+            <p:ph type="sldImg" idx="2"/>
+          </p:nvPr>
+        </p:nvSpPr>
+        <p:spPr>
+          <a:xfrm>
+            <a:off x="4038600" y="857250"/>
+            <a:ext cx="4114800" cy="2314575"/>
+          </a:xfrm>
+          <a:prstGeom prst="rect">
+            <a:avLst/>
+          </a:prstGeom>
+          <a:noFill/>
+          <a:ln w="12700">
+            <a:solidFill>
+              <a:prstClr val="black"/>
+            </a:solidFill>
+          </a:ln>
+        </p:spPr>
+        <p:txBody>
+          <a:bodyPr vert="horz" lIns="91440" tIns="45720" rIns="91440" bIns="45720" rtlCol="0" anchor="ctr"/>
+          <a:lstStyle/>
+          <a:p>
+            <a:endParaRPr lang="en-IN"/>
+          </a:p>
+        </p:txBody>
+      </p:sp>
+      <p:sp>
+        <p:nvSpPr>
+          <p:cNvPr id="5" name="Notes Placeholder 4"/>
+          <p:cNvSpPr>
+            <a:spLocks noGrp="1"/>
+          </p:cNvSpPr>
+          <p:nvPr>
+            <p:ph type="body" sz="quarter" idx="3"/>
+          </p:nvPr>
+        </p:nvSpPr>
+        <p:spPr>
+          <a:xfrm>
+            <a:off x="1219200" y="3300413"/>
+            <a:ext cx="9753600" cy="2700337"/>
+          </a:xfrm>
+          <a:prstGeom prst="rect">
+            <a:avLst/>
+          </a:prstGeom>
+        </p:spPr>
+        <p:txBody>
+          <a:bodyPr vert="horz" lIns="91440" tIns="45720" rIns="91440" bIns="45720" rtlCol="0"/>
+          <a:lstStyle/>
+          <a:p>
+            <a:pPr lvl="0"/>
+            <a:r>
+              <a:rPr lang="en-US"/>
+              <a:t>Click to edit Master text styles</a:t>
+            </a:r>
+          </a:p>
+          <a:p>
+            <a:pPr lvl="1"/>
+            <a:r>
+              <a:rPr lang="en-US"/>
+              <a:t>Second level</a:t>
+            </a:r>
+          </a:p>
+          <a:p>
+            <a:pPr lvl="2"/>
+            <a:r>
+              <a:rPr lang="en-US"/>
+              <a:t>Third level</a:t>
+            </a:r>
+          </a:p>
+          <a:p>
+            <a:pPr lvl="3"/>
+            <a:r>
+              <a:rPr lang="en-US"/>
+              <a:t>Fourth level</a:t>
+            </a:r>
+          </a:p>
+          <a:p>
+            <a:pPr lvl="4"/>
+            <a:r>
+              <a:rPr lang="en-US"/>
+              <a:t>Fifth level</a:t>
+            </a:r>
+            <a:endParaRPr lang="en-IN"/>
+          </a:p>
+        </p:txBody>
+      </p:sp>
+      <p:sp>
+        <p:nvSpPr>
+          <p:cNvPr id="6" name="Footer Placeholder 5"/>
+          <p:cNvSpPr>
+            <a:spLocks noGrp="1"/>
+          </p:cNvSpPr>
+          <p:nvPr>
+            <p:ph type="ftr" sz="quarter" idx="4"/>
+          </p:nvPr>
+        </p:nvSpPr>
+        <p:spPr>
+          <a:xfrm>
+            <a:off x="0" y="6513513"/>
+            <a:ext cx="5283200" cy="344487"/>
+          </a:xfrm>
+          <a:prstGeom prst="rect">
+            <a:avLst/>
+          </a:prstGeom>
+        </p:spPr>
+        <p:txBody>
+          <a:bodyPr vert="horz" lIns="91440" tIns="45720" rIns="91440" bIns="45720" rtlCol="0" anchor="b"/>
+          <a:lstStyle>
+            <a:lvl1pPr algn="l">
+              <a:defRPr sz="1200"/>
+            </a:lvl1pPr>
+          </a:lstStyle>
+          <a:p>
+            <a:endParaRPr lang="en-IN"/>
+          </a:p>
+        </p:txBody>
+      </p:sp>
+      <p:sp>
+        <p:nvSpPr>
+          <p:cNvPr id="7" name="Slide Number Placeholder 6"/>
+          <p:cNvSpPr>
+            <a:spLocks noGrp="1"/>
+          </p:cNvSpPr>
+          <p:nvPr>
+            <p:ph type="sldNum" sz="quarter" idx="5"/>
+          </p:nvPr>
+        </p:nvSpPr>
+        <p:spPr>
+          <a:xfrm>
+            <a:off x="6905625" y="6513513"/>
+            <a:ext cx="5283200" cy="344487"/>
+          </a:xfrm>
+          <a:prstGeom prst="rect">
+            <a:avLst/>
+          </a:prstGeom>
+        </p:spPr>
+        <p:txBody>
+          <a:bodyPr vert="horz" lIns="91440" tIns="45720" rIns="91440" bIns="45720" rtlCol="0" anchor="b"/>
+          <a:lstStyle>
+            <a:lvl1pPr algn="r">
+              <a:defRPr sz="1200"/>
+            </a:lvl1pPr>
+          </a:lstStyle>
+          <a:p>
+            <a:fld id="{273928B1-C87D-4997-B6A6-25462B51D457}" type="slidenum">
+              <a:rPr lang="en-IN" smtClean="0"/>
+              <a:t>‹#›</a:t>
+            </a:fld>
+            <a:endParaRPr lang="en-IN"/>
+          </a:p>
+        </p:txBody>
+      </p:sp>
+    </p:spTree>
+    <p:extLst>
+      <p:ext uri="{BB962C8B-B14F-4D97-AF65-F5344CB8AC3E}">
+        <p14:creationId xmlns:p14="http://schemas.microsoft.com/office/powerpoint/2010/main" val="2424013796"/>
+      </p:ext>
+    </p:extLst>
+  </p:cSld>
+  <p:clrMap bg1="lt1" tx1="dk1" bg2="lt2" tx2="dk2" accent1="accent1" accent2="accent2" accent3="accent3" accent4="accent4" accent5="accent5" accent6="accent6" hlink="hlink" folHlink="folHlink"/>
+  <p:notesStyle>
+    <a:lvl1pPr marL="0" algn="l" defTabSz="914400" rtl="0" eaLnBrk="1" latinLnBrk="0" hangingPunct="1">
+      <a:defRPr sz="1200" kern="1200">
+        <a:solidFill>
+          <a:schemeClr val="tx1"/>
+        </a:solidFill>
+        <a:latin typeface="+mn-lt"/>
+        <a:ea typeface="+mn-ea"/>
+        <a:cs typeface="+mn-cs"/>
+      </a:defRPr>
+    </a:lvl1pPr>
+    <a:lvl2pPr marL="457200" algn="l" defTabSz="914400" rtl="0" eaLnBrk="1" latinLnBrk="0" hangingPunct="1">
+      <a:defRPr sz="1200" kern="1200">
+        <a:solidFill>
+          <a:schemeClr val="tx1"/>
+        </a:solidFill>
+        <a:latin typeface="+mn-lt"/>
+        <a:ea typeface="+mn-ea"/>
+        <a:cs typeface="+mn-cs"/>
+      </a:defRPr>
+    </a:lvl2pPr>
+    <a:lvl3pPr marL="914400" algn="l" defTabSz="914400" rtl="0" eaLnBrk="1" latinLnBrk="0" hangingPunct="1">
+      <a:defRPr sz="1200" kern="1200">
+        <a:solidFill>
+          <a:schemeClr val="tx1"/>
+        </a:solidFill>
+        <a:latin typeface="+mn-lt"/>
+        <a:ea typeface="+mn-ea"/>
+        <a:cs typeface="+mn-cs"/>
+      </a:defRPr>
+    </a:lvl3pPr>
+    <a:lvl4pPr marL="1371600" algn="l" defTabSz="914400" rtl="0" eaLnBrk="1" latinLnBrk="0" hangingPunct="1">
+      <a:defRPr sz="1200" kern="1200">
+        <a:solidFill>
+          <a:schemeClr val="tx1"/>
+        </a:solidFill>
+        <a:latin typeface="+mn-lt"/>
+        <a:ea typeface="+mn-ea"/>
+        <a:cs typeface="+mn-cs"/>
+      </a:defRPr>
+    </a:lvl4pPr>
+    <a:lvl5pPr marL="1828800" algn="l" defTabSz="914400" rtl="0" eaLnBrk="1" latinLnBrk="0" hangingPunct="1">
+      <a:defRPr sz="1200" kern="1200">
+        <a:solidFill>
+          <a:schemeClr val="tx1"/>
+        </a:solidFill>
+        <a:latin typeface="+mn-lt"/>
+        <a:ea typeface="+mn-ea"/>
+        <a:cs typeface="+mn-cs"/>
+      </a:defRPr>
+    </a:lvl5pPr>
+    <a:lvl6pPr marL="2286000" algn="l" defTabSz="914400" rtl="0" eaLnBrk="1" latinLnBrk="0" hangingPunct="1">
+      <a:defRPr sz="1200" kern="1200">
+        <a:solidFill>
+          <a:schemeClr val="tx1"/>
+        </a:solidFill>
+        <a:latin typeface="+mn-lt"/>
+        <a:ea typeface="+mn-ea"/>
+        <a:cs typeface="+mn-cs"/>
+      </a:defRPr>
+    </a:lvl6pPr>
+    <a:lvl7pPr marL="2743200" algn="l" defTabSz="914400" rtl="0" eaLnBrk="1" latinLnBrk="0" hangingPunct="1">
+      <a:defRPr sz="1200" kern="1200">
+        <a:solidFill>
+          <a:schemeClr val="tx1"/>
+        </a:solidFill>
+        <a:latin typeface="+mn-lt"/>
+        <a:ea typeface="+mn-ea"/>
+        <a:cs typeface="+mn-cs"/>
+      </a:defRPr>
+    </a:lvl7pPr>
+    <a:lvl8pPr marL="3200400" algn="l" defTabSz="914400" rtl="0" eaLnBrk="1" latinLnBrk="0" hangingPunct="1">
+      <a:defRPr sz="1200" kern="1200">
+        <a:solidFill>
+          <a:schemeClr val="tx1"/>
+        </a:solidFill>
+        <a:latin typeface="+mn-lt"/>
+        <a:ea typeface="+mn-ea"/>
+        <a:cs typeface="+mn-cs"/>
+      </a:defRPr>
+    </a:lvl8pPr>
+    <a:lvl9pPr marL="3657600" algn="l" defTabSz="914400" rtl="0" eaLnBrk="1" latinLnBrk="0" hangingPunct="1">
+      <a:defRPr sz="1200" kern="1200">
+        <a:solidFill>
+          <a:schemeClr val="tx1"/>
+        </a:solidFill>
+        <a:latin typeface="+mn-lt"/>
+        <a:ea typeface="+mn-ea"/>
+        <a:cs typeface="+mn-cs"/>
+      </a:defRPr>
+    </a:lvl9pPr>
+  </p:notesStyle>
+</p:notesMaster>
+</file>
+
+<file path=ppt/notesSlides/notesSlide1.xml><?xml version="1.0" encoding="utf-8"?>
+<p:notes xmlns:a="http://schemas.openxmlformats.org/drawingml/2006/main" xmlns:r="http://schemas.openxmlformats.org/officeDocument/2006/relationships" xmlns:p="http://schemas.openxmlformats.org/presentationml/2006/main">
+  <p:cSld>
+    <p:spTree>
+      <p:nvGrpSpPr>
+        <p:cNvPr id="1" name=""/>
+        <p:cNvGrpSpPr/>
+        <p:nvPr/>
+      </p:nvGrpSpPr>
+      <p:grpSpPr>
+        <a:xfrm>
+          <a:off x="0" y="0"/>
+          <a:ext cx="0" cy="0"/>
+          <a:chOff x="0" y="0"/>
+          <a:chExt cx="0" cy="0"/>
+        </a:xfrm>
+      </p:grpSpPr>
+      <p:sp>
+        <p:nvSpPr>
+          <p:cNvPr id="2" name="Slide Image Placeholder 1"/>
+          <p:cNvSpPr>
+            <a:spLocks noGrp="1" noRot="1" noChangeAspect="1"/>
+          </p:cNvSpPr>
+          <p:nvPr>
+            <p:ph type="sldImg"/>
+          </p:nvPr>
+        </p:nvSpPr>
+        <p:spPr/>
+      </p:sp>
+      <p:sp>
+        <p:nvSpPr>
+          <p:cNvPr id="3" name="Notes Placeholder 2"/>
+          <p:cNvSpPr>
+            <a:spLocks noGrp="1"/>
+          </p:cNvSpPr>
+          <p:nvPr>
+            <p:ph type="body" idx="1"/>
+          </p:nvPr>
+        </p:nvSpPr>
+        <p:spPr/>
+        <p:txBody>
+          <a:bodyPr/>
+          <a:lstStyle/>
+          <a:p>
+            <a:r>
+              <a:rPr lang="en-US" sz="1200" spc="20" dirty="0"/>
+              <a:t>A keylogger is a type of surveillance technology used to monitor and record each keystroke typed on a specific computer's keyboard. In this tutorial, you will learn how to write a keylogger in </a:t>
+            </a:r>
+            <a:endParaRPr lang="en-IN" dirty="0"/>
+          </a:p>
+        </p:txBody>
+      </p:sp>
+      <p:sp>
+        <p:nvSpPr>
+          <p:cNvPr id="4" name="Slide Number Placeholder 3"/>
+          <p:cNvSpPr>
+            <a:spLocks noGrp="1"/>
+          </p:cNvSpPr>
+          <p:nvPr>
+            <p:ph type="sldNum" sz="quarter" idx="5"/>
+          </p:nvPr>
+        </p:nvSpPr>
+        <p:spPr/>
+        <p:txBody>
+          <a:bodyPr/>
+          <a:lstStyle/>
+          <a:p>
+            <a:fld id="{273928B1-C87D-4997-B6A6-25462B51D457}" type="slidenum">
+              <a:rPr lang="en-IN" smtClean="0"/>
+              <a:t>8</a:t>
+            </a:fld>
+            <a:endParaRPr lang="en-IN"/>
+          </a:p>
+        </p:txBody>
+      </p:sp>
+    </p:spTree>
+    <p:extLst>
+      <p:ext uri="{BB962C8B-B14F-4D97-AF65-F5344CB8AC3E}">
+        <p14:creationId xmlns:p14="http://schemas.microsoft.com/office/powerpoint/2010/main" val="661446874"/>
+      </p:ext>
+    </p:extLst>
+  </p:cSld>
+  <p:clrMapOvr>
+    <a:masterClrMapping/>
+  </p:clrMapOvr>
+</p:notes>
+</file>
+
 <file path=ppt/slideLayouts/slideLayout1.xml><?xml version="1.0" encoding="utf-8"?>
 <p:sldLayout xmlns:a="http://schemas.openxmlformats.org/drawingml/2006/main" xmlns:r="http://schemas.openxmlformats.org/officeDocument/2006/relationships" xmlns:p="http://schemas.openxmlformats.org/presentationml/2006/main" type="obj" preserve="1">
   <p:cSld name="Title Slide">
@@ -277,7 +718,7 @@
           <a:p>
             <a:fld id="{1D8BD707-D9CF-40AE-B4C6-C98DA3205C09}" type="datetimeFigureOut">
               <a:rPr lang="en-US"/>
-              <a:t>6/3/2024</a:t>
+              <a:t>6/12/2024</a:t>
             </a:fld>
             <a:endParaRPr lang="en-US"/>
           </a:p>
@@ -457,7 +898,7 @@
           <a:p>
             <a:fld id="{1D8BD707-D9CF-40AE-B4C6-C98DA3205C09}" type="datetimeFigureOut">
               <a:rPr lang="en-US"/>
-              <a:t>6/3/2024</a:t>
+              <a:t>6/12/2024</a:t>
             </a:fld>
             <a:endParaRPr lang="en-US"/>
           </a:p>
@@ -680,7 +1121,7 @@
           <a:p>
             <a:fld id="{1D8BD707-D9CF-40AE-B4C6-C98DA3205C09}" type="datetimeFigureOut">
               <a:rPr lang="en-US"/>
-              <a:t>6/3/2024</a:t>
+              <a:t>6/12/2024</a:t>
             </a:fld>
             <a:endParaRPr lang="en-US"/>
           </a:p>
@@ -837,7 +1278,7 @@
           <a:p>
             <a:fld id="{1D8BD707-D9CF-40AE-B4C6-C98DA3205C09}" type="datetimeFigureOut">
               <a:rPr lang="en-US"/>
-              <a:t>6/3/2024</a:t>
+              <a:t>6/12/2024</a:t>
             </a:fld>
             <a:endParaRPr lang="en-US"/>
           </a:p>
@@ -965,7 +1406,7 @@
           <a:p>
             <a:fld id="{1D8BD707-D9CF-40AE-B4C6-C98DA3205C09}" type="datetimeFigureOut">
               <a:rPr lang="en-US"/>
-              <a:t>6/3/2024</a:t>
+              <a:t>6/12/2024</a:t>
             </a:fld>
             <a:endParaRPr lang="en-US"/>
           </a:p>
@@ -1684,7 +2125,7 @@
           <a:p>
             <a:fld id="{1D8BD707-D9CF-40AE-B4C6-C98DA3205C09}" type="datetimeFigureOut">
               <a:rPr lang="en-US"/>
-              <a:t>6/3/2024</a:t>
+              <a:t>6/12/2024</a:t>
             </a:fld>
             <a:endParaRPr lang="en-US"/>
           </a:p>
@@ -2162,6 +2603,10 @@
           </p:nvPr>
         </p:nvSpPr>
         <p:spPr>
+          <a:xfrm>
+            <a:off x="2538730" y="2120983"/>
+            <a:ext cx="6477000" cy="509114"/>
+          </a:xfrm>
           <a:prstGeom prst="rect">
             <a:avLst/>
           </a:prstGeom>
@@ -2181,17 +2626,22 @@
               </a:spcBef>
             </a:pPr>
             <a:r>
-              <a:rPr spc="15" dirty="0"/>
-              <a:t>Student</a:t>
-            </a:r>
-            <a:r>
-              <a:rPr spc="-220" dirty="0"/>
-              <a:t> </a:t>
-            </a:r>
-            <a:r>
-              <a:rPr spc="15" dirty="0"/>
-              <a:t>Name</a:t>
-            </a:r>
+              <a:rPr lang="en-US" spc="15" dirty="0"/>
+              <a:t>   </a:t>
+            </a:r>
+            <a:r>
+              <a:rPr lang="en-US" sz="2800" b="1" spc="15" dirty="0">
+                <a:latin typeface="Tahoma" panose="020B0604030504040204" pitchFamily="34" charset="0"/>
+                <a:ea typeface="Tahoma" panose="020B0604030504040204" pitchFamily="34" charset="0"/>
+                <a:cs typeface="Tahoma" panose="020B0604030504040204" pitchFamily="34" charset="0"/>
+              </a:rPr>
+              <a:t>MD Muzammil</a:t>
+            </a:r>
+            <a:endParaRPr b="1" spc="15" dirty="0">
+              <a:latin typeface="Tahoma" panose="020B0604030504040204" pitchFamily="34" charset="0"/>
+              <a:ea typeface="Tahoma" panose="020B0604030504040204" pitchFamily="34" charset="0"/>
+              <a:cs typeface="Tahoma" panose="020B0604030504040204" pitchFamily="34" charset="0"/>
+            </a:endParaRPr>
           </a:p>
         </p:txBody>
       </p:sp>
@@ -2523,179 +2973,6 @@
       </p:grpSpPr>
       <p:sp>
         <p:nvSpPr>
-          <p:cNvPr id="2" name="object 2"/>
-          <p:cNvSpPr txBox="1"/>
-          <p:nvPr/>
-        </p:nvSpPr>
-        <p:spPr>
-          <a:xfrm>
-            <a:off x="752475" y="6486037"/>
-            <a:ext cx="1773555" cy="166370"/>
-          </a:xfrm>
-          <a:prstGeom prst="rect">
-            <a:avLst/>
-          </a:prstGeom>
-        </p:spPr>
-        <p:txBody>
-          <a:bodyPr vert="horz" wrap="square" lIns="0" tIns="0" rIns="0" bIns="0" rtlCol="0">
-            <a:spAutoFit/>
-          </a:bodyPr>
-          <a:lstStyle/>
-          <a:p>
-            <a:pPr>
-              <a:lnSpc>
-                <a:spcPts val="1275"/>
-              </a:lnSpc>
-            </a:pPr>
-            <a:r>
-              <a:rPr sz="1100" spc="20" dirty="0">
-                <a:solidFill>
-                  <a:srgbClr val="2D83C3"/>
-                </a:solidFill>
-                <a:latin typeface="Trebuchet MS"/>
-                <a:cs typeface="Trebuchet MS"/>
-              </a:rPr>
-              <a:t>3/21/202</a:t>
-            </a:r>
-            <a:r>
-              <a:rPr sz="1100" spc="10" dirty="0">
-                <a:solidFill>
-                  <a:srgbClr val="2D83C3"/>
-                </a:solidFill>
-                <a:latin typeface="Trebuchet MS"/>
-                <a:cs typeface="Trebuchet MS"/>
-              </a:rPr>
-              <a:t>4</a:t>
-            </a:r>
-            <a:r>
-              <a:rPr sz="1100" dirty="0">
-                <a:solidFill>
-                  <a:srgbClr val="2D83C3"/>
-                </a:solidFill>
-                <a:latin typeface="Trebuchet MS"/>
-                <a:cs typeface="Trebuchet MS"/>
-              </a:rPr>
-              <a:t> </a:t>
-            </a:r>
-            <a:r>
-              <a:rPr sz="1100" spc="130" dirty="0">
-                <a:solidFill>
-                  <a:srgbClr val="2D83C3"/>
-                </a:solidFill>
-                <a:latin typeface="Trebuchet MS"/>
-                <a:cs typeface="Trebuchet MS"/>
-              </a:rPr>
-              <a:t> </a:t>
-            </a:r>
-            <a:r>
-              <a:rPr sz="1100" b="1" spc="50" dirty="0">
-                <a:solidFill>
-                  <a:srgbClr val="2D83C3"/>
-                </a:solidFill>
-                <a:latin typeface="Trebuchet MS"/>
-                <a:cs typeface="Trebuchet MS"/>
-              </a:rPr>
-              <a:t>A</a:t>
-            </a:r>
-            <a:r>
-              <a:rPr sz="1100" b="1" spc="15" dirty="0">
-                <a:solidFill>
-                  <a:srgbClr val="2D83C3"/>
-                </a:solidFill>
-                <a:latin typeface="Trebuchet MS"/>
-                <a:cs typeface="Trebuchet MS"/>
-              </a:rPr>
-              <a:t>nnu</a:t>
-            </a:r>
-            <a:r>
-              <a:rPr sz="1100" b="1" spc="10" dirty="0">
-                <a:solidFill>
-                  <a:srgbClr val="2D83C3"/>
-                </a:solidFill>
-                <a:latin typeface="Trebuchet MS"/>
-                <a:cs typeface="Trebuchet MS"/>
-              </a:rPr>
-              <a:t>al</a:t>
-            </a:r>
-            <a:r>
-              <a:rPr sz="1100" b="1" spc="-140" dirty="0">
-                <a:solidFill>
-                  <a:srgbClr val="2D83C3"/>
-                </a:solidFill>
-                <a:latin typeface="Trebuchet MS"/>
-                <a:cs typeface="Trebuchet MS"/>
-              </a:rPr>
-              <a:t> </a:t>
-            </a:r>
-            <a:r>
-              <a:rPr sz="1100" b="1" dirty="0">
-                <a:solidFill>
-                  <a:srgbClr val="2D83C3"/>
-                </a:solidFill>
-                <a:latin typeface="Trebuchet MS"/>
-                <a:cs typeface="Trebuchet MS"/>
-              </a:rPr>
-              <a:t>R</a:t>
-            </a:r>
-            <a:r>
-              <a:rPr sz="1100" b="1" spc="35" dirty="0">
-                <a:solidFill>
-                  <a:srgbClr val="2D83C3"/>
-                </a:solidFill>
-                <a:latin typeface="Trebuchet MS"/>
-                <a:cs typeface="Trebuchet MS"/>
-              </a:rPr>
-              <a:t>e</a:t>
-            </a:r>
-            <a:r>
-              <a:rPr sz="1100" b="1" spc="90" dirty="0">
-                <a:solidFill>
-                  <a:srgbClr val="2D83C3"/>
-                </a:solidFill>
-                <a:latin typeface="Trebuchet MS"/>
-                <a:cs typeface="Trebuchet MS"/>
-              </a:rPr>
-              <a:t>v</a:t>
-            </a:r>
-            <a:r>
-              <a:rPr sz="1100" b="1" spc="-35" dirty="0">
-                <a:solidFill>
-                  <a:srgbClr val="2D83C3"/>
-                </a:solidFill>
-                <a:latin typeface="Trebuchet MS"/>
-                <a:cs typeface="Trebuchet MS"/>
-              </a:rPr>
-              <a:t>i</a:t>
-            </a:r>
-            <a:r>
-              <a:rPr sz="1100" b="1" spc="35" dirty="0">
-                <a:solidFill>
-                  <a:srgbClr val="2D83C3"/>
-                </a:solidFill>
-                <a:latin typeface="Trebuchet MS"/>
-                <a:cs typeface="Trebuchet MS"/>
-              </a:rPr>
-              <a:t>e</a:t>
-            </a:r>
-            <a:r>
-              <a:rPr sz="1100" b="1" spc="15" dirty="0">
-                <a:solidFill>
-                  <a:srgbClr val="2D83C3"/>
-                </a:solidFill>
-                <a:latin typeface="Trebuchet MS"/>
-                <a:cs typeface="Trebuchet MS"/>
-              </a:rPr>
-              <a:t>w</a:t>
-            </a:r>
-            <a:endParaRPr sz="1100">
-              <a:latin typeface="Trebuchet MS"/>
-              <a:cs typeface="Trebuchet MS"/>
-            </a:endParaRPr>
-          </a:p>
-        </p:txBody>
-      </p:sp>
-      <p:sp>
-        <p:nvSpPr>
           <p:cNvPr id="3" name="object 3"/>
           <p:cNvSpPr/>
           <p:nvPr/>
@@ -2879,7 +3156,7 @@
         <p:spPr>
           <a:xfrm>
             <a:off x="755332" y="385444"/>
-            <a:ext cx="2437130" cy="758190"/>
+            <a:ext cx="8998268" cy="2968120"/>
           </a:xfrm>
           <a:prstGeom prst="rect">
             <a:avLst/>
@@ -2923,6 +3200,20 @@
               <a:rPr dirty="0"/>
               <a:t>TS</a:t>
             </a:r>
+            <a:br>
+              <a:rPr lang="en-US" dirty="0"/>
+            </a:br>
+            <a:br>
+              <a:rPr lang="en-US" dirty="0"/>
+            </a:br>
+            <a:br>
+              <a:rPr lang="en-IN" sz="2400" b="0" dirty="0"/>
+            </a:br>
+            <a:r>
+              <a:rPr lang="en-US" sz="2400" b="0" dirty="0"/>
+              <a:t>The best way to protect your devices from keylogging is to use a high-quality antivirus or firewall. You can also take other precautions to make an infection less likely</a:t>
+            </a:r>
+            <a:endParaRPr b="0" dirty="0"/>
           </a:p>
         </p:txBody>
       </p:sp>
@@ -3005,7 +3296,7 @@
         </p:nvSpPr>
         <p:spPr>
           <a:xfrm>
-            <a:off x="0" y="0"/>
+            <a:off x="-20853" y="0"/>
             <a:ext cx="12192000" cy="6858000"/>
           </a:xfrm>
           <a:custGeom>
@@ -3043,7 +3334,7 @@
           <a:bodyPr wrap="square" lIns="0" tIns="0" rIns="0" bIns="0" rtlCol="0"/>
           <a:lstStyle/>
           <a:p>
-            <a:endParaRPr/>
+            <a:endParaRPr dirty="0"/>
           </a:p>
         </p:txBody>
       </p:sp>
@@ -3715,8 +4006,8 @@
         </p:nvSpPr>
         <p:spPr>
           <a:xfrm>
-            <a:off x="739775" y="829627"/>
-            <a:ext cx="3909695" cy="678180"/>
+            <a:off x="576028" y="1033089"/>
+            <a:ext cx="5854383" cy="1324722"/>
           </a:xfrm>
           <a:prstGeom prst="rect">
             <a:avLst/>
@@ -3748,7 +4039,14 @@
               <a:rPr sz="4250" spc="25" dirty="0"/>
               <a:t>TITLE</a:t>
             </a:r>
-            <a:endParaRPr sz="4250"/>
+            <a:br>
+              <a:rPr lang="en-US" sz="4250" spc="25" dirty="0"/>
+            </a:br>
+            <a:r>
+              <a:rPr lang="en-IN" sz="4000" spc="25" dirty="0"/>
+              <a:t>Keylogger and Security</a:t>
+            </a:r>
+            <a:endParaRPr sz="4250" dirty="0"/>
           </a:p>
         </p:txBody>
       </p:sp>
@@ -4057,8 +4355,8 @@
         </p:nvSpPr>
         <p:spPr>
           <a:xfrm>
-            <a:off x="0" y="0"/>
-            <a:ext cx="12192000" cy="6858000"/>
+            <a:off x="-76200" y="-228601"/>
+            <a:ext cx="11853832" cy="6627831"/>
           </a:xfrm>
           <a:custGeom>
             <a:avLst/>
@@ -4095,7 +4393,65 @@
           <a:bodyPr wrap="square" lIns="0" tIns="0" rIns="0" bIns="0" rtlCol="0"/>
           <a:lstStyle/>
           <a:p>
-            <a:endParaRPr/>
+            <a:endParaRPr lang="en-US" dirty="0"/>
+          </a:p>
+          <a:p>
+            <a:endParaRPr lang="en-IN" dirty="0"/>
+          </a:p>
+          <a:p>
+            <a:endParaRPr lang="en-IN" dirty="0"/>
+          </a:p>
+          <a:p>
+            <a:endParaRPr lang="en-IN" dirty="0"/>
+          </a:p>
+          <a:p>
+            <a:r>
+              <a:rPr lang="en-IN" dirty="0"/>
+              <a:t>          </a:t>
+            </a:r>
+          </a:p>
+          <a:p>
+            <a:r>
+              <a:rPr lang="en-IN" dirty="0"/>
+              <a:t>             </a:t>
+            </a:r>
+            <a:r>
+              <a:rPr lang="en-IN" sz="2400" dirty="0"/>
+              <a:t>1</a:t>
+            </a:r>
+            <a:r>
+              <a:rPr lang="en-IN" dirty="0"/>
+              <a:t>. </a:t>
+            </a:r>
+            <a:r>
+              <a:rPr lang="en-IN" sz="2400" dirty="0"/>
+              <a:t>Understanding Keylogger Threats</a:t>
+            </a:r>
+          </a:p>
+          <a:p>
+            <a:r>
+              <a:rPr lang="en-IN" sz="2400" dirty="0"/>
+              <a:t>          2. Importance if security Measures</a:t>
+            </a:r>
+          </a:p>
+          <a:p>
+            <a:r>
+              <a:rPr lang="en-IN" sz="2400" dirty="0"/>
+              <a:t>          3. Detection and prevention Techniques</a:t>
+            </a:r>
+          </a:p>
+          <a:p>
+            <a:r>
+              <a:rPr lang="en-IN" sz="2400" dirty="0"/>
+              <a:t>          4. Role of End Users in security</a:t>
+            </a:r>
+          </a:p>
+          <a:p>
+            <a:r>
+              <a:rPr lang="en-IN" sz="2400" dirty="0"/>
+              <a:t>          5. Best practices for Security implementation</a:t>
+            </a:r>
+            <a:endParaRPr lang="en-IN" dirty="0"/>
           </a:p>
         </p:txBody>
       </p:sp>
@@ -5151,8 +5507,8 @@
         </p:nvSpPr>
         <p:spPr>
           <a:xfrm>
-            <a:off x="739775" y="445388"/>
-            <a:ext cx="2357120" cy="758190"/>
+            <a:off x="236537" y="-54464"/>
+            <a:ext cx="7870826" cy="752129"/>
           </a:xfrm>
           <a:prstGeom prst="rect">
             <a:avLst/>
@@ -5257,143 +5613,6 @@
           <a:chExt cx="0" cy="0"/>
         </a:xfrm>
       </p:grpSpPr>
-      <p:grpSp>
-        <p:nvGrpSpPr>
-          <p:cNvPr id="2" name="object 2"/>
-          <p:cNvGrpSpPr/>
-          <p:nvPr/>
-        </p:nvGrpSpPr>
-        <p:grpSpPr>
-          <a:xfrm>
-            <a:off x="7991475" y="2933700"/>
-            <a:ext cx="2762250" cy="3257550"/>
-            <a:chOff x="7991475" y="2933700"/>
-            <a:chExt cx="2762250" cy="3257550"/>
-          </a:xfrm>
-        </p:grpSpPr>
-        <p:sp>
-          <p:nvSpPr>
-            <p:cNvPr id="3" name="object 3"/>
-            <p:cNvSpPr/>
-            <p:nvPr/>
-          </p:nvSpPr>
-          <p:spPr>
-            <a:xfrm>
-              <a:off x="9353550" y="5362575"/>
-              <a:ext cx="457200" cy="457200"/>
-            </a:xfrm>
-            <a:custGeom>
-              <a:avLst/>
-              <a:gdLst/>
-              <a:ahLst/>
-              <a:cxnLst/>
-              <a:rect l="l" t="t" r="r" b="b"/>
-              <a:pathLst>
-                <a:path w="457200" h="457200">
-                  <a:moveTo>
-                    <a:pt x="457200" y="0"/>
-                  </a:moveTo>
-                  <a:lnTo>
-                    <a:pt x="0" y="0"/>
-                  </a:lnTo>
-                  <a:lnTo>
-                    <a:pt x="0" y="457200"/>
-                  </a:lnTo>
-                  <a:lnTo>
-                    <a:pt x="457200" y="457200"/>
-                  </a:lnTo>
-                  <a:lnTo>
-                    <a:pt x="457200" y="0"/>
-                  </a:lnTo>
-                  <a:close/>
-                </a:path>
-              </a:pathLst>
-            </a:custGeom>
-            <a:solidFill>
-              <a:srgbClr val="42AF51"/>
-            </a:solidFill>
-          </p:spPr>
-          <p:txBody>
-            <a:bodyPr wrap="square" lIns="0" tIns="0" rIns="0" bIns="0" rtlCol="0"/>
-            <a:lstStyle/>
-            <a:p>
-              <a:endParaRPr/>
-            </a:p>
-          </p:txBody>
-        </p:sp>
-        <p:sp>
-          <p:nvSpPr>
-            <p:cNvPr id="4" name="object 4"/>
-            <p:cNvSpPr/>
-            <p:nvPr/>
-          </p:nvSpPr>
-          <p:spPr>
-            <a:xfrm>
-              <a:off x="9353550" y="5895975"/>
-              <a:ext cx="180975" cy="180975"/>
-            </a:xfrm>
-            <a:custGeom>
-              <a:avLst/>
-              <a:gdLst/>
-              <a:ahLst/>
-              <a:cxnLst/>
-              <a:rect l="l" t="t" r="r" b="b"/>
-              <a:pathLst>
-                <a:path w="180975" h="180975">
-                  <a:moveTo>
-                    <a:pt x="180975" y="0"/>
-                  </a:moveTo>
-                  <a:lnTo>
-                    <a:pt x="0" y="0"/>
-                  </a:lnTo>
-                  <a:lnTo>
-                    <a:pt x="0" y="180975"/>
-                  </a:lnTo>
-                  <a:lnTo>
-                    <a:pt x="180975" y="180975"/>
-                  </a:lnTo>
-                  <a:lnTo>
-                    <a:pt x="180975" y="0"/>
-                  </a:lnTo>
-                  <a:close/>
-                </a:path>
-              </a:pathLst>
-            </a:custGeom>
-            <a:solidFill>
-              <a:srgbClr val="2D936B"/>
-            </a:solidFill>
-          </p:spPr>
-          <p:txBody>
-            <a:bodyPr wrap="square" lIns="0" tIns="0" rIns="0" bIns="0" rtlCol="0"/>
-            <a:lstStyle/>
-            <a:p>
-              <a:endParaRPr/>
-            </a:p>
-          </p:txBody>
-        </p:sp>
-        <p:pic>
-          <p:nvPicPr>
-            <p:cNvPr id="5" name="object 5"/>
-            <p:cNvPicPr/>
-            <p:nvPr/>
-          </p:nvPicPr>
-          <p:blipFill>
-            <a:blip r:embed="rId2" cstate="print"/>
-            <a:stretch>
-              <a:fillRect/>
-            </a:stretch>
-          </p:blipFill>
-          <p:spPr>
-            <a:xfrm>
-              <a:off x="7991475" y="2933700"/>
-              <a:ext cx="2762250" cy="3257550"/>
-            </a:xfrm>
-            <a:prstGeom prst="rect">
-              <a:avLst/>
-            </a:prstGeom>
-          </p:spPr>
-        </p:pic>
-      </p:grpSp>
       <p:sp>
         <p:nvSpPr>
           <p:cNvPr id="6" name="object 6"/>
@@ -5456,8 +5675,8 @@
         </p:nvSpPr>
         <p:spPr>
           <a:xfrm>
-            <a:off x="834072" y="575055"/>
-            <a:ext cx="5636895" cy="678180"/>
+            <a:off x="228600" y="158545"/>
+            <a:ext cx="9372600" cy="5472011"/>
           </a:xfrm>
           <a:prstGeom prst="rect">
             <a:avLst/>
@@ -5532,7 +5751,98 @@
               <a:rPr sz="4250" spc="10" dirty="0"/>
               <a:t>NT</a:t>
             </a:r>
-            <a:endParaRPr sz="4250"/>
+            <a:br>
+              <a:rPr lang="en-US" sz="4250" spc="10" dirty="0"/>
+            </a:br>
+            <a:br>
+              <a:rPr lang="en-IN" sz="2400" spc="10" dirty="0"/>
+            </a:br>
+            <a:r>
+              <a:rPr lang="en-IN" sz="2400" spc="10" dirty="0"/>
+              <a:t>  </a:t>
+            </a:r>
+            <a:br>
+              <a:rPr lang="en-IN" sz="2400" spc="10" dirty="0"/>
+            </a:br>
+            <a:r>
+              <a:rPr lang="en-IN" sz="2400" spc="10" dirty="0"/>
+              <a:t>  </a:t>
+            </a:r>
+            <a:br>
+              <a:rPr lang="en-IN" sz="2400" spc="10" dirty="0"/>
+            </a:br>
+            <a:br>
+              <a:rPr lang="en-IN" sz="2400" spc="10" dirty="0"/>
+            </a:br>
+            <a:r>
+              <a:rPr lang="en-IN" sz="2400" spc="10" dirty="0"/>
+              <a:t>   Problem:</a:t>
+            </a:r>
+            <a:br>
+              <a:rPr lang="en-IN" sz="2400" spc="10" dirty="0"/>
+            </a:br>
+            <a:r>
+              <a:rPr lang="en-IN" sz="2400" spc="10" dirty="0"/>
+              <a:t>    </a:t>
+            </a:r>
+            <a:r>
+              <a:rPr lang="en-IN" sz="2400" b="0" spc="10" dirty="0"/>
+              <a:t>Keylogger are a significant threat to cyber security,</a:t>
+            </a:r>
+            <a:br>
+              <a:rPr lang="en-IN" sz="2400" b="0" spc="10" dirty="0"/>
+            </a:br>
+            <a:r>
+              <a:rPr lang="en-IN" sz="2400" b="0" spc="10" dirty="0"/>
+              <a:t>    leading to unauthorized access to sensitive information,</a:t>
+            </a:r>
+            <a:br>
+              <a:rPr lang="en-IN" sz="2400" b="0" spc="10" dirty="0"/>
+            </a:br>
+            <a:r>
+              <a:rPr lang="en-IN" sz="2400" b="0" spc="10" dirty="0"/>
+              <a:t>    identity theft, and financial fraud.</a:t>
+            </a:r>
+            <a:br>
+              <a:rPr lang="en-IN" sz="2400" b="0" spc="10" dirty="0"/>
+            </a:br>
+            <a:br>
+              <a:rPr lang="en-IN" sz="2400" b="0" spc="10" dirty="0"/>
+            </a:br>
+            <a:r>
+              <a:rPr lang="en-IN" sz="2400" b="0" spc="10" dirty="0"/>
+              <a:t>   </a:t>
+            </a:r>
+            <a:r>
+              <a:rPr lang="en-IN" sz="2400" spc="10" dirty="0"/>
+              <a:t>Impact:</a:t>
+            </a:r>
+            <a:br>
+              <a:rPr lang="en-IN" sz="2400" b="0" spc="10" dirty="0"/>
+            </a:br>
+            <a:r>
+              <a:rPr lang="en-IN" sz="2400" b="0" spc="10" dirty="0"/>
+              <a:t>    Affects individuals, businesses, and organizations by          </a:t>
+            </a:r>
+            <a:br>
+              <a:rPr lang="en-IN" sz="2400" b="0" spc="10" dirty="0"/>
+            </a:br>
+            <a:r>
+              <a:rPr lang="en-IN" sz="2400" b="0" spc="10" dirty="0"/>
+              <a:t>    compromising data privacy and security.</a:t>
+            </a:r>
+            <a:br>
+              <a:rPr lang="en-IN" sz="2400" b="0" spc="10" dirty="0"/>
+            </a:br>
+            <a:r>
+              <a:rPr lang="en-IN" sz="2400" b="0" spc="10" dirty="0"/>
+              <a:t>    </a:t>
+            </a:r>
+            <a:r>
+              <a:rPr lang="en-IN" sz="2400" spc="10" dirty="0"/>
+              <a:t>    </a:t>
+            </a:r>
+            <a:endParaRPr sz="4250" dirty="0"/>
           </a:p>
         </p:txBody>
       </p:sp>
@@ -5543,7 +5853,7 @@
           <p:nvPr/>
         </p:nvPicPr>
         <p:blipFill>
-          <a:blip r:embed="rId3" cstate="print"/>
+          <a:blip r:embed="rId2" cstate="print"/>
           <a:stretch>
             <a:fillRect/>
           </a:stretch>
@@ -5796,143 +6106,6 @@
           <a:chExt cx="0" cy="0"/>
         </a:xfrm>
       </p:grpSpPr>
-      <p:grpSp>
-        <p:nvGrpSpPr>
-          <p:cNvPr id="2" name="object 2"/>
-          <p:cNvGrpSpPr/>
-          <p:nvPr/>
-        </p:nvGrpSpPr>
-        <p:grpSpPr>
-          <a:xfrm>
-            <a:off x="8658225" y="2647950"/>
-            <a:ext cx="3533775" cy="3810000"/>
-            <a:chOff x="8658225" y="2647950"/>
-            <a:chExt cx="3533775" cy="3810000"/>
-          </a:xfrm>
-        </p:grpSpPr>
-        <p:sp>
-          <p:nvSpPr>
-            <p:cNvPr id="3" name="object 3"/>
-            <p:cNvSpPr/>
-            <p:nvPr/>
-          </p:nvSpPr>
-          <p:spPr>
-            <a:xfrm>
-              <a:off x="9353550" y="5362575"/>
-              <a:ext cx="457200" cy="457200"/>
-            </a:xfrm>
-            <a:custGeom>
-              <a:avLst/>
-              <a:gdLst/>
-              <a:ahLst/>
-              <a:cxnLst/>
-              <a:rect l="l" t="t" r="r" b="b"/>
-              <a:pathLst>
-                <a:path w="457200" h="457200">
-                  <a:moveTo>
-                    <a:pt x="457200" y="0"/>
-                  </a:moveTo>
-                  <a:lnTo>
-                    <a:pt x="0" y="0"/>
-                  </a:lnTo>
-                  <a:lnTo>
-                    <a:pt x="0" y="457200"/>
-                  </a:lnTo>
-                  <a:lnTo>
-                    <a:pt x="457200" y="457200"/>
-                  </a:lnTo>
-                  <a:lnTo>
-                    <a:pt x="457200" y="0"/>
-                  </a:lnTo>
-                  <a:close/>
-                </a:path>
-              </a:pathLst>
-            </a:custGeom>
-            <a:solidFill>
-              <a:srgbClr val="42AF51"/>
-            </a:solidFill>
-          </p:spPr>
-          <p:txBody>
-            <a:bodyPr wrap="square" lIns="0" tIns="0" rIns="0" bIns="0" rtlCol="0"/>
-            <a:lstStyle/>
-            <a:p>
-              <a:endParaRPr/>
-            </a:p>
-          </p:txBody>
-        </p:sp>
-        <p:sp>
-          <p:nvSpPr>
-            <p:cNvPr id="4" name="object 4"/>
-            <p:cNvSpPr/>
-            <p:nvPr/>
-          </p:nvSpPr>
-          <p:spPr>
-            <a:xfrm>
-              <a:off x="9353550" y="5895975"/>
-              <a:ext cx="180975" cy="180975"/>
-            </a:xfrm>
-            <a:custGeom>
-              <a:avLst/>
-              <a:gdLst/>
-              <a:ahLst/>
-              <a:cxnLst/>
-              <a:rect l="l" t="t" r="r" b="b"/>
-              <a:pathLst>
-                <a:path w="180975" h="180975">
-                  <a:moveTo>
-                    <a:pt x="180975" y="0"/>
-                  </a:moveTo>
-                  <a:lnTo>
-                    <a:pt x="0" y="0"/>
-                  </a:lnTo>
-                  <a:lnTo>
-                    <a:pt x="0" y="180975"/>
-                  </a:lnTo>
-                  <a:lnTo>
-                    <a:pt x="180975" y="180975"/>
-                  </a:lnTo>
-                  <a:lnTo>
-                    <a:pt x="180975" y="0"/>
-                  </a:lnTo>
-                  <a:close/>
-                </a:path>
-              </a:pathLst>
-            </a:custGeom>
-            <a:solidFill>
-              <a:srgbClr val="2D936B"/>
-            </a:solidFill>
-          </p:spPr>
-          <p:txBody>
-            <a:bodyPr wrap="square" lIns="0" tIns="0" rIns="0" bIns="0" rtlCol="0"/>
-            <a:lstStyle/>
-            <a:p>
-              <a:endParaRPr/>
-            </a:p>
-          </p:txBody>
-        </p:sp>
-        <p:pic>
-          <p:nvPicPr>
-            <p:cNvPr id="5" name="object 5"/>
-            <p:cNvPicPr/>
-            <p:nvPr/>
-          </p:nvPicPr>
-          <p:blipFill>
-            <a:blip r:embed="rId2" cstate="print"/>
-            <a:stretch>
-              <a:fillRect/>
-            </a:stretch>
-          </p:blipFill>
-          <p:spPr>
-            <a:xfrm>
-              <a:off x="8658225" y="2647950"/>
-              <a:ext cx="3533775" cy="3810000"/>
-            </a:xfrm>
-            <a:prstGeom prst="rect">
-              <a:avLst/>
-            </a:prstGeom>
-          </p:spPr>
-        </p:pic>
-      </p:grpSp>
       <p:sp>
         <p:nvSpPr>
           <p:cNvPr id="6" name="object 6"/>
@@ -5983,54 +6156,6 @@
           </a:p>
         </p:txBody>
       </p:sp>
-      <p:sp>
-        <p:nvSpPr>
-          <p:cNvPr id="7" name="object 7"/>
-          <p:cNvSpPr txBox="1">
-            <a:spLocks noGrp="1"/>
-          </p:cNvSpPr>
-          <p:nvPr>
-            <p:ph type="title"/>
-          </p:nvPr>
-        </p:nvSpPr>
-        <p:spPr>
-          <a:xfrm>
-            <a:off x="739775" y="829627"/>
-            <a:ext cx="5263515" cy="678180"/>
-          </a:xfrm>
-          <a:prstGeom prst="rect">
-            <a:avLst/>
-          </a:prstGeom>
-        </p:spPr>
-        <p:txBody>
-          <a:bodyPr vert="horz" wrap="square" lIns="0" tIns="16510" rIns="0" bIns="0" rtlCol="0">
-            <a:spAutoFit/>
-          </a:bodyPr>
-          <a:lstStyle/>
-          <a:p>
-            <a:pPr marL="12700">
-              <a:lnSpc>
-                <a:spcPct val="100000"/>
-              </a:lnSpc>
-              <a:spcBef>
-                <a:spcPts val="130"/>
-              </a:spcBef>
-              <a:tabLst>
-                <a:tab pos="2642870" algn="l"/>
-              </a:tabLst>
-            </a:pPr>
-            <a:r>
-              <a:rPr sz="4250" spc="5" dirty="0"/>
-              <a:t>PROJECT	</a:t>
-            </a:r>
-            <a:r>
-              <a:rPr sz="4250" spc="-20" dirty="0"/>
-              <a:t>OVERVIEW</a:t>
-            </a:r>
-            <a:endParaRPr sz="4250"/>
-          </a:p>
-        </p:txBody>
-      </p:sp>
       <p:pic>
         <p:nvPicPr>
           <p:cNvPr id="8" name="object 8"/>
@@ -6038,14 +6163,14 @@
           <p:nvPr/>
         </p:nvPicPr>
         <p:blipFill>
-          <a:blip r:embed="rId3" cstate="print"/>
+          <a:blip r:embed="rId2" cstate="print"/>
           <a:stretch>
             <a:fillRect/>
           </a:stretch>
         </p:blipFill>
         <p:spPr>
           <a:xfrm>
-            <a:off x="676275" y="6467475"/>
+            <a:off x="838200" y="6482708"/>
             <a:ext cx="2143125" cy="200025"/>
           </a:xfrm>
           <a:prstGeom prst="rect">
@@ -6053,182 +6178,6 @@
           </a:prstGeom>
         </p:spPr>
       </p:pic>
-      <p:sp>
-        <p:nvSpPr>
-          <p:cNvPr id="9" name="object 9"/>
-          <p:cNvSpPr txBox="1"/>
-          <p:nvPr/>
-        </p:nvSpPr>
-        <p:spPr>
-          <a:xfrm>
-            <a:off x="739775" y="6473337"/>
-            <a:ext cx="1798955" cy="191770"/>
-          </a:xfrm>
-          <a:prstGeom prst="rect">
-            <a:avLst/>
-          </a:prstGeom>
-        </p:spPr>
-        <p:txBody>
-          <a:bodyPr vert="horz" wrap="square" lIns="0" tIns="6985" rIns="0" bIns="0" rtlCol="0">
-            <a:spAutoFit/>
-          </a:bodyPr>
-          <a:lstStyle/>
-          <a:p>
-            <a:pPr marL="12700">
-              <a:lnSpc>
-                <a:spcPct val="100000"/>
-              </a:lnSpc>
-              <a:spcBef>
-                <a:spcPts val="55"/>
-              </a:spcBef>
-            </a:pPr>
-            <a:r>
-              <a:rPr sz="1100" spc="20" dirty="0">
-                <a:solidFill>
-                  <a:srgbClr val="2D83C3"/>
-                </a:solidFill>
-                <a:latin typeface="Trebuchet MS"/>
-                <a:cs typeface="Trebuchet MS"/>
-              </a:rPr>
-              <a:t>3/21/202</a:t>
-            </a:r>
-            <a:r>
-              <a:rPr sz="1100" spc="10" dirty="0">
-                <a:solidFill>
-                  <a:srgbClr val="2D83C3"/>
-                </a:solidFill>
-                <a:latin typeface="Trebuchet MS"/>
-                <a:cs typeface="Trebuchet MS"/>
-              </a:rPr>
-              <a:t>4</a:t>
-            </a:r>
-            <a:r>
-              <a:rPr sz="1100" dirty="0">
-                <a:solidFill>
-                  <a:srgbClr val="2D83C3"/>
-                </a:solidFill>
-                <a:latin typeface="Trebuchet MS"/>
-                <a:cs typeface="Trebuchet MS"/>
-              </a:rPr>
-              <a:t> </a:t>
-            </a:r>
-            <a:r>
-              <a:rPr sz="1100" spc="130" dirty="0">
-                <a:solidFill>
-                  <a:srgbClr val="2D83C3"/>
-                </a:solidFill>
-                <a:latin typeface="Trebuchet MS"/>
-                <a:cs typeface="Trebuchet MS"/>
-              </a:rPr>
-              <a:t> </a:t>
-            </a:r>
-            <a:r>
-              <a:rPr sz="1100" b="1" spc="50" dirty="0">
-                <a:solidFill>
-                  <a:srgbClr val="2D83C3"/>
-                </a:solidFill>
-                <a:latin typeface="Trebuchet MS"/>
-                <a:cs typeface="Trebuchet MS"/>
-              </a:rPr>
-              <a:t>A</a:t>
-            </a:r>
-            <a:r>
-              <a:rPr sz="1100" b="1" spc="15" dirty="0">
-                <a:solidFill>
-                  <a:srgbClr val="2D83C3"/>
-                </a:solidFill>
-                <a:latin typeface="Trebuchet MS"/>
-                <a:cs typeface="Trebuchet MS"/>
-              </a:rPr>
-              <a:t>nnu</a:t>
-            </a:r>
-            <a:r>
-              <a:rPr sz="1100" b="1" spc="10" dirty="0">
-                <a:solidFill>
-                  <a:srgbClr val="2D83C3"/>
-                </a:solidFill>
-                <a:latin typeface="Trebuchet MS"/>
-                <a:cs typeface="Trebuchet MS"/>
-              </a:rPr>
-              <a:t>al</a:t>
-            </a:r>
-            <a:r>
-              <a:rPr sz="1100" b="1" spc="-140" dirty="0">
-                <a:solidFill>
-                  <a:srgbClr val="2D83C3"/>
-                </a:solidFill>
-                <a:latin typeface="Trebuchet MS"/>
-                <a:cs typeface="Trebuchet MS"/>
-              </a:rPr>
-              <a:t> </a:t>
-            </a:r>
-            <a:r>
-              <a:rPr sz="1100" b="1" dirty="0">
-                <a:solidFill>
-                  <a:srgbClr val="2D83C3"/>
-                </a:solidFill>
-                <a:latin typeface="Trebuchet MS"/>
-                <a:cs typeface="Trebuchet MS"/>
-              </a:rPr>
-              <a:t>R</a:t>
-            </a:r>
-            <a:r>
-              <a:rPr sz="1100" b="1" spc="35" dirty="0">
-                <a:solidFill>
-                  <a:srgbClr val="2D83C3"/>
-                </a:solidFill>
-                <a:latin typeface="Trebuchet MS"/>
-                <a:cs typeface="Trebuchet MS"/>
-              </a:rPr>
-              <a:t>e</a:t>
-            </a:r>
-            <a:r>
-              <a:rPr sz="1100" b="1" spc="90" dirty="0">
-                <a:solidFill>
-                  <a:srgbClr val="2D83C3"/>
-                </a:solidFill>
-                <a:latin typeface="Trebuchet MS"/>
-                <a:cs typeface="Trebuchet MS"/>
-              </a:rPr>
-              <a:t>v</a:t>
-            </a:r>
-            <a:r>
-              <a:rPr sz="1100" b="1" spc="-35" dirty="0">
-                <a:solidFill>
-                  <a:srgbClr val="2D83C3"/>
-                </a:solidFill>
-                <a:latin typeface="Trebuchet MS"/>
-                <a:cs typeface="Trebuchet MS"/>
-              </a:rPr>
-              <a:t>i</a:t>
-            </a:r>
-            <a:r>
-              <a:rPr sz="1100" b="1" spc="35" dirty="0">
-                <a:solidFill>
-                  <a:srgbClr val="2D83C3"/>
-                </a:solidFill>
-                <a:latin typeface="Trebuchet MS"/>
-                <a:cs typeface="Trebuchet MS"/>
-              </a:rPr>
-              <a:t>e</a:t>
-            </a:r>
-            <a:r>
-              <a:rPr sz="1100" b="1" spc="15" dirty="0">
-                <a:solidFill>
-                  <a:srgbClr val="2D83C3"/>
-                </a:solidFill>
-                <a:latin typeface="Trebuchet MS"/>
-                <a:cs typeface="Trebuchet MS"/>
-              </a:rPr>
-              <a:t>w</a:t>
-            </a:r>
-            <a:endParaRPr sz="1100">
-              <a:latin typeface="Trebuchet MS"/>
-              <a:cs typeface="Trebuchet MS"/>
-            </a:endParaRPr>
-          </a:p>
-        </p:txBody>
-      </p:sp>
       <p:sp>
         <p:nvSpPr>
           <p:cNvPr id="10" name="object 10"/>
@@ -6263,6 +6212,100 @@
               <a:t>5</a:t>
             </a:fld>
             <a:endParaRPr spc="10" dirty="0"/>
+          </a:p>
+        </p:txBody>
+      </p:sp>
+      <p:sp>
+        <p:nvSpPr>
+          <p:cNvPr id="12" name="Title 11">
+            <a:extLst>
+              <a:ext uri="{FF2B5EF4-FFF2-40B4-BE49-F238E27FC236}">
+                <a16:creationId xmlns:a16="http://schemas.microsoft.com/office/drawing/2014/main" id="{1F179AD1-FDBE-A569-D184-BD62EC033057}"/>
+              </a:ext>
+            </a:extLst>
+          </p:cNvPr>
+          <p:cNvSpPr>
+            <a:spLocks noGrp="1"/>
+          </p:cNvSpPr>
+          <p:nvPr>
+            <p:ph type="title"/>
+          </p:nvPr>
+        </p:nvSpPr>
+        <p:spPr>
+          <a:xfrm>
+            <a:off x="228600" y="14748"/>
+            <a:ext cx="10681335" cy="4431983"/>
+          </a:xfrm>
+        </p:spPr>
+        <p:txBody>
+          <a:bodyPr/>
+          <a:lstStyle/>
+          <a:p>
+            <a:r>
+              <a:rPr lang="en-US" dirty="0"/>
+              <a:t>PROJECT OVERVIEW</a:t>
+            </a:r>
+            <a:br>
+              <a:rPr lang="en-US" dirty="0"/>
+            </a:br>
+            <a:br>
+              <a:rPr lang="en-US" dirty="0"/>
+            </a:br>
+            <a:r>
+              <a:rPr lang="en-US" dirty="0"/>
+              <a:t>  </a:t>
+            </a:r>
+            <a:r>
+              <a:rPr lang="en-US" sz="2400" dirty="0"/>
+              <a:t>Objective: </a:t>
+            </a:r>
+            <a:br>
+              <a:rPr lang="en-US" sz="2400" dirty="0"/>
+            </a:br>
+            <a:r>
+              <a:rPr lang="en-US" sz="2400" dirty="0"/>
+              <a:t>     </a:t>
+            </a:r>
+            <a:r>
+              <a:rPr lang="en-US" sz="2400" b="0" dirty="0"/>
+              <a:t>Develop a comprehensive understanding of keyloggers, their types, how   </a:t>
+            </a:r>
+            <a:br>
+              <a:rPr lang="en-US" sz="2400" b="0" dirty="0"/>
+            </a:br>
+            <a:r>
+              <a:rPr lang="en-US" sz="2400" b="0" dirty="0"/>
+              <a:t>     they work, and effective security measures to prevent keylogging attacks.</a:t>
+            </a:r>
+            <a:br>
+              <a:rPr lang="en-US" sz="2400" b="0" dirty="0"/>
+            </a:br>
+            <a:br>
+              <a:rPr lang="en-US" sz="2400" b="0" dirty="0"/>
+            </a:br>
+            <a:r>
+              <a:rPr lang="en-US" sz="2400" b="0" dirty="0"/>
+              <a:t>    </a:t>
+            </a:r>
+            <a:r>
+              <a:rPr lang="en-US" sz="2400" dirty="0"/>
+              <a:t>Scope:</a:t>
+            </a:r>
+            <a:br>
+              <a:rPr lang="en-US" sz="2400" b="0" dirty="0"/>
+            </a:br>
+            <a:r>
+              <a:rPr lang="en-US" sz="2400" b="0" dirty="0"/>
+              <a:t>     Includes an analysis of hardware and software keyloggers, legal and  </a:t>
+            </a:r>
+            <a:br>
+              <a:rPr lang="en-US" sz="2400" b="0" dirty="0"/>
+            </a:br>
+            <a:r>
+              <a:rPr lang="en-US" sz="2400" b="0" dirty="0"/>
+              <a:t>     ethical implications, security measures, and best practices.</a:t>
+            </a:r>
+            <a:endParaRPr lang="en-IN" b="0" dirty="0"/>
           </a:p>
         </p:txBody>
       </p:sp>
@@ -6453,8 +6496,8 @@
         </p:nvSpPr>
         <p:spPr>
           <a:xfrm>
-            <a:off x="699452" y="891793"/>
-            <a:ext cx="5014595" cy="518159"/>
+            <a:off x="609600" y="838200"/>
+            <a:ext cx="7343044" cy="5310428"/>
           </a:xfrm>
           <a:prstGeom prst="rect">
             <a:avLst/>
@@ -6554,7 +6597,119 @@
               <a:rPr sz="3200" spc="5" dirty="0"/>
               <a:t>S?</a:t>
             </a:r>
-            <a:endParaRPr sz="3200"/>
+            <a:br>
+              <a:rPr lang="en-US" sz="3200" spc="5" dirty="0"/>
+            </a:br>
+            <a:br>
+              <a:rPr lang="en-IN" sz="3200" spc="5" dirty="0"/>
+            </a:br>
+            <a:r>
+              <a:rPr lang="en-IN" sz="3200" spc="5" dirty="0"/>
+              <a:t> </a:t>
+            </a:r>
+            <a:r>
+              <a:rPr lang="en-US" sz="2400" spc="5" dirty="0"/>
+              <a:t>Individuals</a:t>
+            </a:r>
+            <a:r>
+              <a:rPr lang="en-US" sz="2400" b="0" spc="5" dirty="0"/>
+              <a:t>:</a:t>
+            </a:r>
+            <a:br>
+              <a:rPr lang="en-US" sz="2400" b="0" spc="5" dirty="0"/>
+            </a:br>
+            <a:r>
+              <a:rPr lang="en-US" sz="2400" b="0" spc="5" dirty="0"/>
+              <a:t>  Concerned about personal data   security and </a:t>
+            </a:r>
+            <a:br>
+              <a:rPr lang="en-US" sz="2400" b="0" spc="5" dirty="0"/>
+            </a:br>
+            <a:r>
+              <a:rPr lang="en-US" sz="2400" b="0" spc="5" dirty="0"/>
+              <a:t>  privacy.</a:t>
+            </a:r>
+            <a:br>
+              <a:rPr lang="en-US" sz="2400" b="0" spc="5" dirty="0"/>
+            </a:br>
+            <a:r>
+              <a:rPr lang="en-US" sz="2400" b="0" spc="5" dirty="0"/>
+              <a:t> </a:t>
+            </a:r>
+            <a:r>
+              <a:rPr lang="en-US" sz="2400" spc="5" dirty="0"/>
+              <a:t>Businesses: </a:t>
+            </a:r>
+            <a:br>
+              <a:rPr lang="en-US" sz="2400" spc="5" dirty="0"/>
+            </a:br>
+            <a:r>
+              <a:rPr lang="en-US" sz="2400" spc="5" dirty="0"/>
+              <a:t>  </a:t>
+            </a:r>
+            <a:r>
+              <a:rPr lang="en-US" sz="2400" b="0" spc="5" dirty="0"/>
+              <a:t>Need to protect corporate data  and ensure  </a:t>
+            </a:r>
+            <a:br>
+              <a:rPr lang="en-US" sz="2400" b="0" spc="5" dirty="0"/>
+            </a:br>
+            <a:r>
+              <a:rPr lang="en-US" sz="2400" b="0" spc="5" dirty="0"/>
+              <a:t>  compliance with  security standards.</a:t>
+            </a:r>
+            <a:br>
+              <a:rPr lang="en-US" sz="2400" b="0" spc="5" dirty="0"/>
+            </a:br>
+            <a:r>
+              <a:rPr lang="en-US" sz="2400" spc="5" dirty="0"/>
+              <a:t> Organizations:</a:t>
+            </a:r>
+            <a:br>
+              <a:rPr lang="en-US" sz="2400" spc="5" dirty="0"/>
+            </a:br>
+            <a:r>
+              <a:rPr lang="en-US" sz="2400" spc="5" dirty="0"/>
+              <a:t>  </a:t>
+            </a:r>
+            <a:r>
+              <a:rPr lang="en-US" sz="2400" b="0" spc="5" dirty="0"/>
+              <a:t>Require robust security measures to safeguard  </a:t>
+            </a:r>
+            <a:br>
+              <a:rPr lang="en-US" sz="2400" b="0" spc="5" dirty="0"/>
+            </a:br>
+            <a:r>
+              <a:rPr lang="en-US" sz="2400" b="0" spc="5" dirty="0"/>
+              <a:t>  sensitive information.</a:t>
+            </a:r>
+            <a:br>
+              <a:rPr lang="en-US" sz="2400" b="0" spc="5" dirty="0"/>
+            </a:br>
+            <a:r>
+              <a:rPr lang="en-US" sz="2400" b="0" spc="5" dirty="0"/>
+              <a:t> </a:t>
+            </a:r>
+            <a:r>
+              <a:rPr lang="en-US" sz="2400" spc="5" dirty="0"/>
+              <a:t>Security Professionals: </a:t>
+            </a:r>
+            <a:br>
+              <a:rPr lang="en-US" sz="2400" spc="5" dirty="0"/>
+            </a:br>
+            <a:r>
+              <a:rPr lang="en-US" sz="2400" spc="5" dirty="0"/>
+              <a:t> </a:t>
+            </a:r>
+            <a:r>
+              <a:rPr lang="en-US" sz="2400" b="0" spc="5" dirty="0"/>
+              <a:t>Aim to understand and mitigate  keylogging threats</a:t>
+            </a:r>
+            <a:r>
+              <a:rPr lang="en-US" sz="3200" b="0" spc="5" dirty="0"/>
+              <a:t>.</a:t>
+            </a:r>
+            <a:endParaRPr sz="3200" b="0" dirty="0"/>
           </a:p>
         </p:txBody>
       </p:sp>
@@ -6572,7 +6727,7 @@
         </p:blipFill>
         <p:spPr>
           <a:xfrm>
-            <a:off x="723900" y="6172200"/>
+            <a:off x="6700991" y="152400"/>
             <a:ext cx="2181225" cy="485775"/>
           </a:xfrm>
           <a:prstGeom prst="rect">
@@ -6580,182 +6735,6 @@
           </a:prstGeom>
         </p:spPr>
       </p:pic>
-      <p:sp>
-        <p:nvSpPr>
-          <p:cNvPr id="7" name="object 7"/>
-          <p:cNvSpPr txBox="1"/>
-          <p:nvPr/>
-        </p:nvSpPr>
-        <p:spPr>
-          <a:xfrm>
-            <a:off x="739775" y="6473337"/>
-            <a:ext cx="1798955" cy="191770"/>
-          </a:xfrm>
-          <a:prstGeom prst="rect">
-            <a:avLst/>
-          </a:prstGeom>
-        </p:spPr>
-        <p:txBody>
-          <a:bodyPr vert="horz" wrap="square" lIns="0" tIns="6985" rIns="0" bIns="0" rtlCol="0">
-            <a:spAutoFit/>
-          </a:bodyPr>
-          <a:lstStyle/>
-          <a:p>
-            <a:pPr marL="12700">
-              <a:lnSpc>
-                <a:spcPct val="100000"/>
-              </a:lnSpc>
-              <a:spcBef>
-                <a:spcPts val="55"/>
-              </a:spcBef>
-            </a:pPr>
-            <a:r>
-              <a:rPr sz="1100" spc="20" dirty="0">
-                <a:solidFill>
-                  <a:srgbClr val="2D83C3"/>
-                </a:solidFill>
-                <a:latin typeface="Trebuchet MS"/>
-                <a:cs typeface="Trebuchet MS"/>
-              </a:rPr>
-              <a:t>3/21/202</a:t>
-            </a:r>
-            <a:r>
-              <a:rPr sz="1100" spc="10" dirty="0">
-                <a:solidFill>
-                  <a:srgbClr val="2D83C3"/>
-                </a:solidFill>
-                <a:latin typeface="Trebuchet MS"/>
-                <a:cs typeface="Trebuchet MS"/>
-              </a:rPr>
-              <a:t>4</a:t>
-            </a:r>
-            <a:r>
-              <a:rPr sz="1100" dirty="0">
-                <a:solidFill>
-                  <a:srgbClr val="2D83C3"/>
-                </a:solidFill>
-                <a:latin typeface="Trebuchet MS"/>
-                <a:cs typeface="Trebuchet MS"/>
-              </a:rPr>
-              <a:t> </a:t>
-            </a:r>
-            <a:r>
-              <a:rPr sz="1100" spc="130" dirty="0">
-                <a:solidFill>
-                  <a:srgbClr val="2D83C3"/>
-                </a:solidFill>
-                <a:latin typeface="Trebuchet MS"/>
-                <a:cs typeface="Trebuchet MS"/>
-              </a:rPr>
-              <a:t> </a:t>
-            </a:r>
-            <a:r>
-              <a:rPr sz="1100" b="1" spc="50" dirty="0">
-                <a:solidFill>
-                  <a:srgbClr val="2D83C3"/>
-                </a:solidFill>
-                <a:latin typeface="Trebuchet MS"/>
-                <a:cs typeface="Trebuchet MS"/>
-              </a:rPr>
-              <a:t>A</a:t>
-            </a:r>
-            <a:r>
-              <a:rPr sz="1100" b="1" spc="15" dirty="0">
-                <a:solidFill>
-                  <a:srgbClr val="2D83C3"/>
-                </a:solidFill>
-                <a:latin typeface="Trebuchet MS"/>
-                <a:cs typeface="Trebuchet MS"/>
-              </a:rPr>
-              <a:t>nnu</a:t>
-            </a:r>
-            <a:r>
-              <a:rPr sz="1100" b="1" spc="10" dirty="0">
-                <a:solidFill>
-                  <a:srgbClr val="2D83C3"/>
-                </a:solidFill>
-                <a:latin typeface="Trebuchet MS"/>
-                <a:cs typeface="Trebuchet MS"/>
-              </a:rPr>
-              <a:t>al</a:t>
-            </a:r>
-            <a:r>
-              <a:rPr sz="1100" b="1" spc="-140" dirty="0">
-                <a:solidFill>
-                  <a:srgbClr val="2D83C3"/>
-                </a:solidFill>
-                <a:latin typeface="Trebuchet MS"/>
-                <a:cs typeface="Trebuchet MS"/>
-              </a:rPr>
-              <a:t> </a:t>
-            </a:r>
-            <a:r>
-              <a:rPr sz="1100" b="1" dirty="0">
-                <a:solidFill>
-                  <a:srgbClr val="2D83C3"/>
-                </a:solidFill>
-                <a:latin typeface="Trebuchet MS"/>
-                <a:cs typeface="Trebuchet MS"/>
-              </a:rPr>
-              <a:t>R</a:t>
-            </a:r>
-            <a:r>
-              <a:rPr sz="1100" b="1" spc="35" dirty="0">
-                <a:solidFill>
-                  <a:srgbClr val="2D83C3"/>
-                </a:solidFill>
-                <a:latin typeface="Trebuchet MS"/>
-                <a:cs typeface="Trebuchet MS"/>
-              </a:rPr>
-              <a:t>e</a:t>
-            </a:r>
-            <a:r>
-              <a:rPr sz="1100" b="1" spc="90" dirty="0">
-                <a:solidFill>
-                  <a:srgbClr val="2D83C3"/>
-                </a:solidFill>
-                <a:latin typeface="Trebuchet MS"/>
-                <a:cs typeface="Trebuchet MS"/>
-              </a:rPr>
-              <a:t>v</a:t>
-            </a:r>
-            <a:r>
-              <a:rPr sz="1100" b="1" spc="-35" dirty="0">
-                <a:solidFill>
-                  <a:srgbClr val="2D83C3"/>
-                </a:solidFill>
-                <a:latin typeface="Trebuchet MS"/>
-                <a:cs typeface="Trebuchet MS"/>
-              </a:rPr>
-              <a:t>i</a:t>
-            </a:r>
-            <a:r>
-              <a:rPr sz="1100" b="1" spc="35" dirty="0">
-                <a:solidFill>
-                  <a:srgbClr val="2D83C3"/>
-                </a:solidFill>
-                <a:latin typeface="Trebuchet MS"/>
-                <a:cs typeface="Trebuchet MS"/>
-              </a:rPr>
-              <a:t>e</a:t>
-            </a:r>
-            <a:r>
-              <a:rPr sz="1100" b="1" spc="15" dirty="0">
-                <a:solidFill>
-                  <a:srgbClr val="2D83C3"/>
-                </a:solidFill>
-                <a:latin typeface="Trebuchet MS"/>
-                <a:cs typeface="Trebuchet MS"/>
-              </a:rPr>
-              <a:t>w</a:t>
-            </a:r>
-            <a:endParaRPr sz="1100">
-              <a:latin typeface="Trebuchet MS"/>
-              <a:cs typeface="Trebuchet MS"/>
-            </a:endParaRPr>
-          </a:p>
-        </p:txBody>
-      </p:sp>
       <p:sp>
         <p:nvSpPr>
           <p:cNvPr id="8" name="object 8"/>
@@ -6832,8 +6811,8 @@
         </p:blipFill>
         <p:spPr>
           <a:xfrm>
-            <a:off x="0" y="1476375"/>
-            <a:ext cx="2695574" cy="3248025"/>
+            <a:off x="0" y="1841319"/>
+            <a:ext cx="2538730" cy="3105150"/>
           </a:xfrm>
           <a:prstGeom prst="rect">
             <a:avLst/>
@@ -6892,56 +6871,6 @@
       </p:sp>
       <p:sp>
         <p:nvSpPr>
-          <p:cNvPr id="4" name="object 4"/>
-          <p:cNvSpPr/>
-          <p:nvPr/>
-        </p:nvSpPr>
-        <p:spPr>
-          <a:xfrm>
-            <a:off x="6696075" y="1695450"/>
-            <a:ext cx="314325" cy="323850"/>
-          </a:xfrm>
-          <a:custGeom>
-            <a:avLst/>
-            <a:gdLst/>
-            <a:ahLst/>
-            <a:cxnLst/>
-            <a:rect l="l" t="t" r="r" b="b"/>
-            <a:pathLst>
-              <a:path w="314325" h="323850">
-                <a:moveTo>
-                  <a:pt x="314325" y="0"/>
-                </a:moveTo>
-                <a:lnTo>
-                  <a:pt x="0" y="0"/>
-                </a:lnTo>
-                <a:lnTo>
-                  <a:pt x="0" y="323850"/>
-                </a:lnTo>
-                <a:lnTo>
-                  <a:pt x="314325" y="323850"/>
-                </a:lnTo>
-                <a:lnTo>
-                  <a:pt x="314325" y="0"/>
-                </a:lnTo>
-                <a:close/>
-              </a:path>
-            </a:pathLst>
-          </a:custGeom>
-          <a:solidFill>
-            <a:srgbClr val="2D83C3"/>
-          </a:solidFill>
-        </p:spPr>
-        <p:txBody>
-          <a:bodyPr wrap="square" lIns="0" tIns="0" rIns="0" bIns="0" rtlCol="0"/>
-          <a:lstStyle/>
-          <a:p>
-            <a:endParaRPr/>
-          </a:p>
-        </p:txBody>
-      </p:sp>
-      <p:sp>
-        <p:nvSpPr>
           <p:cNvPr id="5" name="object 5"/>
           <p:cNvSpPr/>
           <p:nvPr/>
@@ -7002,8 +6931,8 @@
         </p:nvSpPr>
         <p:spPr>
           <a:xfrm>
-            <a:off x="558165" y="857885"/>
-            <a:ext cx="9763125" cy="575310"/>
+            <a:off x="228600" y="0"/>
+            <a:ext cx="9829800" cy="6661439"/>
           </a:xfrm>
           <a:prstGeom prst="rect">
             <a:avLst/>
@@ -7171,7 +7100,136 @@
               <a:rPr sz="3600" dirty="0"/>
               <a:t>N</a:t>
             </a:r>
-            <a:endParaRPr sz="3600"/>
+            <a:br>
+              <a:rPr lang="en-US" sz="3600" dirty="0"/>
+            </a:br>
+            <a:r>
+              <a:rPr lang="en-US" sz="3600" dirty="0"/>
+              <a:t> </a:t>
+            </a:r>
+            <a:r>
+              <a:rPr lang="en-US" sz="2400" b="0" dirty="0"/>
+              <a:t>A keylogger, when used ethically and legally, can offer several potential benefits </a:t>
+            </a:r>
+            <a:br>
+              <a:rPr lang="en-US" sz="2400" dirty="0"/>
+            </a:br>
+            <a:r>
+              <a:rPr lang="en-US" sz="2400" dirty="0"/>
+              <a:t>                         1.Security Testing: </a:t>
+            </a:r>
+            <a:r>
+              <a:rPr lang="en-US" sz="2400" b="0" dirty="0"/>
+              <a:t>Keyloggers can be used by </a:t>
+            </a:r>
+            <a:br>
+              <a:rPr lang="en-US" sz="2400" b="0" dirty="0"/>
+            </a:br>
+            <a:r>
+              <a:rPr lang="en-US" sz="2400" b="0" dirty="0"/>
+              <a:t>                             cybersecurity professionals to test the robustness  </a:t>
+            </a:r>
+            <a:br>
+              <a:rPr lang="en-US" sz="2400" b="0" dirty="0"/>
+            </a:br>
+            <a:r>
+              <a:rPr lang="en-US" sz="2400" b="0" dirty="0"/>
+              <a:t>                             of security systems, identify vulnerabilities, and </a:t>
+            </a:r>
+            <a:br>
+              <a:rPr lang="en-US" sz="2400" b="0" dirty="0"/>
+            </a:br>
+            <a:r>
+              <a:rPr lang="en-US" sz="2400" b="0" dirty="0"/>
+              <a:t>                             strengthen defenses.</a:t>
+            </a:r>
+            <a:br>
+              <a:rPr lang="en-US" sz="2400" b="0" dirty="0"/>
+            </a:br>
+            <a:r>
+              <a:rPr lang="en-US" sz="2400" b="0" dirty="0"/>
+              <a:t>                         </a:t>
+            </a:r>
+            <a:r>
+              <a:rPr lang="en-US" sz="2400" dirty="0"/>
+              <a:t>2.Parental Control: </a:t>
+            </a:r>
+            <a:r>
+              <a:rPr lang="en-US" sz="2400" b="0" dirty="0"/>
+              <a:t>Parents might use keyloggers to </a:t>
+            </a:r>
+            <a:br>
+              <a:rPr lang="en-US" sz="2400" b="0" dirty="0"/>
+            </a:br>
+            <a:r>
+              <a:rPr lang="en-US" sz="2400" b="0" dirty="0"/>
+              <a:t>                             monitor their children’s online activities to ensure </a:t>
+            </a:r>
+            <a:br>
+              <a:rPr lang="en-US" sz="2400" b="0" dirty="0"/>
+            </a:br>
+            <a:r>
+              <a:rPr lang="en-US" sz="2400" b="0" dirty="0"/>
+              <a:t>                             their safety on the internet. However, this should  </a:t>
+            </a:r>
+            <a:br>
+              <a:rPr lang="en-US" sz="2400" b="0" dirty="0"/>
+            </a:br>
+            <a:r>
+              <a:rPr lang="en-US" sz="2400" b="0" dirty="0"/>
+              <a:t>                             be done transparently and with respect for </a:t>
+            </a:r>
+            <a:br>
+              <a:rPr lang="en-US" sz="2400" b="0" dirty="0"/>
+            </a:br>
+            <a:r>
+              <a:rPr lang="en-US" sz="2400" b="0" dirty="0"/>
+              <a:t>                             privacy.</a:t>
+            </a:r>
+            <a:br>
+              <a:rPr lang="en-US" sz="2400" b="0" dirty="0"/>
+            </a:br>
+            <a:r>
+              <a:rPr lang="en-US" sz="2400" b="0" dirty="0"/>
+              <a:t>                         </a:t>
+            </a:r>
+            <a:r>
+              <a:rPr lang="en-US" sz="2400" dirty="0"/>
+              <a:t>3.Business Monitoring</a:t>
+            </a:r>
+            <a:r>
+              <a:rPr lang="en-US" sz="2400" b="0" dirty="0"/>
+              <a:t>: </a:t>
+            </a:r>
+            <a:br>
+              <a:rPr lang="en-US" sz="2400" b="0" dirty="0"/>
+            </a:br>
+            <a:r>
+              <a:rPr lang="en-US" sz="2400" b="0" dirty="0"/>
+              <a:t>                             Companies may use keyloggers to monitor  </a:t>
+            </a:r>
+            <a:br>
+              <a:rPr lang="en-US" sz="2400" b="0" dirty="0"/>
+            </a:br>
+            <a:r>
+              <a:rPr lang="en-US" sz="2400" b="0" dirty="0"/>
+              <a:t>                             employee productivity, prevent data breaches, and </a:t>
+            </a:r>
+            <a:br>
+              <a:rPr lang="en-US" sz="2400" b="0" dirty="0"/>
+            </a:br>
+            <a:r>
+              <a:rPr lang="en-US" sz="2400" b="0" dirty="0"/>
+              <a:t>                             investigate incidents. This should always be done  </a:t>
+            </a:r>
+            <a:br>
+              <a:rPr lang="en-US" sz="2400" b="0" dirty="0"/>
+            </a:br>
+            <a:r>
+              <a:rPr lang="en-US" sz="2400" b="0" dirty="0"/>
+              <a:t>                            in compliance with local laws and company policies.</a:t>
+            </a:r>
+            <a:endParaRPr sz="3600" b="0" dirty="0"/>
           </a:p>
         </p:txBody>
       </p:sp>
@@ -7666,8 +7724,8 @@
         </p:nvSpPr>
         <p:spPr>
           <a:xfrm>
-            <a:off x="6696075" y="1695450"/>
-            <a:ext cx="314325" cy="323850"/>
+            <a:off x="1981201" y="1770079"/>
+            <a:ext cx="304800" cy="323850"/>
           </a:xfrm>
           <a:custGeom>
             <a:avLst/>
@@ -7765,7 +7823,7 @@
           <p:nvPr/>
         </p:nvPicPr>
         <p:blipFill>
-          <a:blip r:embed="rId2" cstate="print"/>
+          <a:blip r:embed="rId3" cstate="print"/>
           <a:stretch>
             <a:fillRect/>
           </a:stretch>
@@ -7792,8 +7850,8 @@
         </p:nvSpPr>
         <p:spPr>
           <a:xfrm>
-            <a:off x="739775" y="654938"/>
-            <a:ext cx="7543165" cy="678180"/>
+            <a:off x="312556" y="804273"/>
+            <a:ext cx="9143771" cy="4402487"/>
           </a:xfrm>
           <a:prstGeom prst="rect">
             <a:avLst/>
@@ -7849,7 +7907,88 @@
               <a:rPr sz="4250" spc="20" dirty="0"/>
               <a:t>SOLUTION</a:t>
             </a:r>
-            <a:endParaRPr sz="4250"/>
+            <a:br>
+              <a:rPr lang="en-US" sz="4250" spc="20" dirty="0"/>
+            </a:br>
+            <a:r>
+              <a:rPr lang="en-IN" sz="4250" spc="20" dirty="0"/>
+              <a:t>               </a:t>
+            </a:r>
+            <a:r>
+              <a:rPr lang="en-US" sz="2000" b="0" spc="20" dirty="0"/>
+              <a:t> A keylogger is a type of surveillance technology used to  </a:t>
+            </a:r>
+            <a:br>
+              <a:rPr lang="en-US" sz="2000" b="0" spc="20" dirty="0"/>
+            </a:br>
+            <a:r>
+              <a:rPr lang="en-US" sz="2000" b="0" spc="20" dirty="0"/>
+              <a:t>                                monitor and record each keystroke typed on a specific  </a:t>
+            </a:r>
+            <a:br>
+              <a:rPr lang="en-US" sz="2000" b="0" spc="20" dirty="0"/>
+            </a:br>
+            <a:r>
+              <a:rPr lang="en-US" sz="2000" b="0" spc="20" dirty="0"/>
+              <a:t>                                computer's keyboard. In this tutorial, you will learn how </a:t>
+            </a:r>
+            <a:br>
+              <a:rPr lang="en-US" sz="2000" b="0" spc="20" dirty="0"/>
+            </a:br>
+            <a:r>
+              <a:rPr lang="en-US" sz="2000" b="0" spc="20" dirty="0"/>
+              <a:t>                                to write a keylogger in Python.</a:t>
+            </a:r>
+            <a:br>
+              <a:rPr lang="en-US" sz="2000" b="0" spc="20" dirty="0"/>
+            </a:br>
+            <a:r>
+              <a:rPr lang="en-US" sz="2000" b="0" spc="20" dirty="0"/>
+              <a:t>                                This tool has both legitimate and illegitimate uses. </a:t>
+            </a:r>
+            <a:br>
+              <a:rPr lang="en-US" sz="2000" b="0" spc="20" dirty="0"/>
+            </a:br>
+            <a:r>
+              <a:rPr lang="en-US" sz="2000" b="0" spc="20" dirty="0"/>
+              <a:t>                                Legitimate uses can include monitoring employee </a:t>
+            </a:r>
+            <a:br>
+              <a:rPr lang="en-US" sz="2000" b="0" spc="20" dirty="0"/>
+            </a:br>
+            <a:r>
+              <a:rPr lang="en-US" sz="2000" b="0" spc="20" dirty="0"/>
+              <a:t>                                productivity, parental control, and troubleshooting </a:t>
+            </a:r>
+            <a:br>
+              <a:rPr lang="en-US" sz="2000" b="0" spc="20" dirty="0"/>
+            </a:br>
+            <a:r>
+              <a:rPr lang="en-US" sz="2000" b="0" spc="20" dirty="0"/>
+              <a:t>                                computer issues. However, when used unethically by  </a:t>
+            </a:r>
+            <a:br>
+              <a:rPr lang="en-US" sz="2000" b="0" spc="20" dirty="0"/>
+            </a:br>
+            <a:r>
+              <a:rPr lang="en-US" sz="2000" b="0" spc="20" dirty="0"/>
+              <a:t>                                hackers or script kiddies, a keylogger can capture </a:t>
+            </a:r>
+            <a:br>
+              <a:rPr lang="en-US" sz="2000" b="0" spc="20" dirty="0"/>
+            </a:br>
+            <a:r>
+              <a:rPr lang="en-US" sz="2000" b="0" spc="20" dirty="0"/>
+              <a:t>                                sensitive information like login credentials, credit card </a:t>
+            </a:r>
+            <a:br>
+              <a:rPr lang="en-US" sz="2000" b="0" spc="20" dirty="0"/>
+            </a:br>
+            <a:r>
+              <a:rPr lang="en-US" sz="2000" b="0" spc="20" dirty="0"/>
+              <a:t>                                numbers, and personal messages.</a:t>
+            </a:r>
+            <a:endParaRPr sz="4250" b="0" dirty="0"/>
           </a:p>
         </p:txBody>
       </p:sp>
@@ -8155,7 +8294,7 @@
         </p:nvSpPr>
         <p:spPr>
           <a:xfrm>
-            <a:off x="6696075" y="1695450"/>
+            <a:off x="152400" y="1371600"/>
             <a:ext cx="314325" cy="323850"/>
           </a:xfrm>
           <a:custGeom>
@@ -8277,8 +8416,8 @@
         </p:nvSpPr>
         <p:spPr>
           <a:xfrm>
-            <a:off x="739775" y="1367853"/>
-            <a:ext cx="2811780" cy="300355"/>
+            <a:off x="870155" y="910590"/>
+            <a:ext cx="8743950" cy="3916457"/>
           </a:xfrm>
           <a:prstGeom prst="rect">
             <a:avLst/>
@@ -8347,7 +8486,42 @@
               </a:rPr>
               <a:t>wireframes</a:t>
             </a:r>
-            <a:endParaRPr sz="1800">
+            <a:endParaRPr lang="en-US" sz="1800" spc="-5" dirty="0">
+              <a:latin typeface="Trebuchet MS"/>
+              <a:cs typeface="Trebuchet MS"/>
+            </a:endParaRPr>
+          </a:p>
+          <a:p>
+            <a:pPr marL="12700">
+              <a:lnSpc>
+                <a:spcPct val="100000"/>
+              </a:lnSpc>
+              <a:spcBef>
+                <a:spcPts val="100"/>
+              </a:spcBef>
+            </a:pPr>
+            <a:endParaRPr lang="en-IN" spc="-5" dirty="0">
+              <a:latin typeface="Trebuchet MS"/>
+              <a:cs typeface="Trebuchet MS"/>
+            </a:endParaRPr>
+          </a:p>
+          <a:p>
+            <a:pPr marL="12700">
+              <a:lnSpc>
+                <a:spcPct val="100000"/>
+              </a:lnSpc>
+              <a:spcBef>
+                <a:spcPts val="100"/>
+              </a:spcBef>
+            </a:pPr>
+            <a:r>
+              <a:rPr lang="en-US" sz="1800" spc="-5" dirty="0">
+                <a:latin typeface="Trebuchet MS"/>
+                <a:cs typeface="Trebuchet MS"/>
+              </a:rPr>
+              <a:t>Keylogger, a tool intended to record every keystroke made on the machine and offers the attacker the ability to steal large amounts of sensitive information without the permission of the owner of the message. The primary objective of this project is to detect keylogger applications and prevent data loss and sensitive information leakage. This project aims to identify the set of permissions and storage levels owned by each of the applications and hence differentiate applications with proper permissions and keylogger applications that can abuse permissions. The keyloggers are detected using Black-box technique. Black-box approach is based on behavioral characteristics which can be applied to all keyloggers and it does not rely on the structural characteristics of the keylogger. This project aims to develop detection system on mobile phones based on machine learning algorithm to detect keylogger applications.</a:t>
+            </a:r>
+            <a:endParaRPr lang="en-IN" sz="1800" spc="-5" dirty="0">
               <a:latin typeface="Trebuchet MS"/>
               <a:cs typeface="Trebuchet MS"/>
             </a:endParaRPr>
@@ -8408,7 +8582,7 @@
         </p:nvSpPr>
         <p:spPr>
           <a:xfrm>
-            <a:off x="739775" y="291147"/>
+            <a:off x="609600" y="76200"/>
             <a:ext cx="3303904" cy="758190"/>
           </a:xfrm>
           <a:prstGeom prst="rect">
@@ -8485,7 +8659,7 @@
               </a:rPr>
               <a:t>G</a:t>
             </a:r>
-            <a:endParaRPr sz="4800">
+            <a:endParaRPr sz="4800" dirty="0">
               <a:latin typeface="Trebuchet MS"/>
               <a:cs typeface="Trebuchet MS"/>
             </a:endParaRPr>
@@ -8781,4 +8955,299 @@
   <a:objectDefaults/>
   <a:extraClrSchemeLst/>
 </a:theme>
+</file>
+
+<file path=ppt/theme/theme2.xml><?xml version="1.0" encoding="utf-8"?>
+<a:theme xmlns:a="http://schemas.openxmlformats.org/drawingml/2006/main" name="Office Theme">
+  <a:themeElements>
+    <a:clrScheme name="Office">
+      <a:dk1>
+        <a:sysClr val="windowText" lastClr="000000"/>
+      </a:dk1>
+      <a:lt1>
+        <a:sysClr val="window" lastClr="FFFFFF"/>
+      </a:lt1>
+      <a:dk2>
+        <a:srgbClr val="44546A"/>
+      </a:dk2>
+      <a:lt2>
+        <a:srgbClr val="E7E6E6"/>
+      </a:lt2>
+      <a:accent1>
+        <a:srgbClr val="4472C4"/>
+      </a:accent1>
+      <a:accent2>
+        <a:srgbClr val="ED7D31"/>
+      </a:accent2>
+      <a:accent3>
+        <a:srgbClr val="A5A5A5"/>
+      </a:accent3>
+      <a:accent4>
+        <a:srgbClr val="FFC000"/>
+      </a:accent4>
+      <a:accent5>
+        <a:srgbClr val="5B9BD5"/>
+      </a:accent5>
+      <a:accent6>
+        <a:srgbClr val="70AD47"/>
+      </a:accent6>
+      <a:hlink>
+        <a:srgbClr val="0563C1"/>
+      </a:hlink>
+      <a:folHlink>
+        <a:srgbClr val="954F72"/>
+      </a:folHlink>
+    </a:clrScheme>
+    <a:fontScheme name="Office">
+      <a:majorFont>
+        <a:latin typeface="Calibri Light" panose="020F0302020204030204"/>
+        <a:ea typeface=""/>
+        <a:cs typeface=""/>
+        <a:font script="Jpan" typeface="游ゴシック Light"/>
+        <a:font script="Hang" typeface="맑은 고딕"/>
+        <a:font script="Hans" typeface="等线 Light"/>
+        <a:font script="Hant" typeface="新細明體"/>
+        <a:font script="Arab" typeface="Times New Roman"/>
+        <a:font script="Hebr" typeface="Times New Roman"/>
+        <a:font script="Thai" typeface="Angsana New"/>
+        <a:font script="Ethi" typeface="Nyala"/>
+        <a:font script="Beng" typeface="Vrinda"/>
+        <a:font script="Gujr" typeface="Shruti"/>
+        <a:font script="Khmr" typeface="MoolBoran"/>
+        <a:font script="Knda" typeface="Tunga"/>
+        <a:font script="Guru" typeface="Raavi"/>
+        <a:font script="Cans" typeface="Euphemia"/>
+        <a:font script="Cher" typeface="Plantagenet Cherokee"/>
+        <a:font script="Yiii" typeface="Microsoft Yi Baiti"/>
+        <a:font script="Tibt" typeface="Microsoft Himalaya"/>
+        <a:font script="Thaa" typeface="MV Boli"/>
+        <a:font script="Deva" typeface="Mangal"/>
+        <a:font script="Telu" typeface="Gautami"/>
+        <a:font script="Taml" typeface="Latha"/>
+        <a:font script="Syrc" typeface="Estrangelo Edessa"/>
+        <a:font script="Orya" typeface="Kalinga"/>
+        <a:font script="Mlym" typeface="Kartika"/>
+        <a:font script="Laoo" typeface="DokChampa"/>
+        <a:font script="Sinh" typeface="Iskoola Pota"/>
+        <a:font script="Mong" typeface="Mongolian Baiti"/>
+        <a:font script="Viet" typeface="Times New Roman"/>
+        <a:font script="Uigh" typeface="Microsoft Uighur"/>
+        <a:font script="Geor" typeface="Sylfaen"/>
+        <a:font script="Armn" typeface="Arial"/>
+        <a:font script="Bugi" typeface="Leelawadee UI"/>
+        <a:font script="Bopo" typeface="Microsoft JhengHei"/>
+        <a:font script="Java" typeface="Javanese Text"/>
+        <a:font script="Lisu" typeface="Segoe UI"/>
+        <a:font script="Mymr" typeface="Myanmar Text"/>
+        <a:font script="Nkoo" typeface="Ebrima"/>
+        <a:font script="Olck" typeface="Nirmala UI"/>
+        <a:font script="Osma" typeface="Ebrima"/>
+        <a:font script="Phag" typeface="Phagspa"/>
+        <a:font script="Syrn" typeface="Estrangelo Edessa"/>
+        <a:font script="Syrj" typeface="Estrangelo Edessa"/>
+        <a:font script="Syre" typeface="Estrangelo Edessa"/>
+        <a:font script="Sora" typeface="Nirmala UI"/>
+        <a:font script="Tale" typeface="Microsoft Tai Le"/>
+        <a:font script="Talu" typeface="Microsoft New Tai Lue"/>
+        <a:font script="Tfng" typeface="Ebrima"/>
+      </a:majorFont>
+      <a:minorFont>
+        <a:latin typeface="Calibri" panose="020F0502020204030204"/>
+        <a:ea typeface=""/>
+        <a:cs typeface=""/>
+        <a:font script="Jpan" typeface="游ゴシック"/>
+        <a:font script="Hang" typeface="맑은 고딕"/>
+        <a:font script="Hans" typeface="等线"/>
+        <a:font script="Hant" typeface="新細明體"/>
+        <a:font script="Arab" typeface="Arial"/>
+        <a:font script="Hebr" typeface="Arial"/>
+        <a:font script="Thai" typeface="Cordia New"/>
+        <a:font script="Ethi" typeface="Nyala"/>
+        <a:font script="Beng" typeface="Vrinda"/>
+        <a:font script="Gujr" typeface="Shruti"/>
+        <a:font script="Khmr" typeface="DaunPenh"/>
+        <a:font script="Knda" typeface="Tunga"/>
+        <a:font script="Guru" typeface="Raavi"/>
+        <a:font script="Cans" typeface="Euphemia"/>
+        <a:font script="Cher" typeface="Plantagenet Cherokee"/>
+        <a:font script="Yiii" typeface="Microsoft Yi Baiti"/>
+        <a:font script="Tibt" typeface="Microsoft Himalaya"/>
+        <a:font script="Thaa" typeface="MV Boli"/>
+        <a:font script="Deva" typeface="Mangal"/>
+        <a:font script="Telu" typeface="Gautami"/>
+        <a:font script="Taml" typeface="Latha"/>
+        <a:font script="Syrc" typeface="Estrangelo Edessa"/>
+        <a:font script="Orya" typeface="Kalinga"/>
+        <a:font script="Mlym" typeface="Kartika"/>
+        <a:font script="Laoo" typeface="DokChampa"/>
+        <a:font script="Sinh" typeface="Iskoola Pota"/>
+        <a:font script="Mong" typeface="Mongolian Baiti"/>
+        <a:font script="Viet" typeface="Arial"/>
+        <a:font script="Uigh" typeface="Microsoft Uighur"/>
+        <a:font script="Geor" typeface="Sylfaen"/>
+        <a:font script="Armn" typeface="Arial"/>
+        <a:font script="Bugi" typeface="Leelawadee UI"/>
+        <a:font script="Bopo" typeface="Microsoft JhengHei"/>
+        <a:font script="Java" typeface="Javanese Text"/>
+        <a:font script="Lisu" typeface="Segoe UI"/>
+        <a:font script="Mymr" typeface="Myanmar Text"/>
+        <a:font script="Nkoo" typeface="Ebrima"/>
+        <a:font script="Olck" typeface="Nirmala UI"/>
+        <a:font script="Osma" typeface="Ebrima"/>
+        <a:font script="Phag" typeface="Phagspa"/>
+        <a:font script="Syrn" typeface="Estrangelo Edessa"/>
+        <a:font script="Syrj" typeface="Estrangelo Edessa"/>
+        <a:font script="Syre" typeface="Estrangelo Edessa"/>
+        <a:font script="Sora" typeface="Nirmala UI"/>
+        <a:font script="Tale" typeface="Microsoft Tai Le"/>
+        <a:font script="Talu" typeface="Microsoft New Tai Lue"/>
+        <a:font script="Tfng" typeface="Ebrima"/>
+      </a:minorFont>
+    </a:fontScheme>
+    <a:fmtScheme name="Office">
+      <a:fillStyleLst>
+        <a:solidFill>
+          <a:schemeClr val="phClr"/>
+        </a:solidFill>
+        <a:gradFill rotWithShape="1">
+          <a:gsLst>
+            <a:gs pos="0">
+              <a:schemeClr val="phClr">
+                <a:lumMod val="110000"/>
+                <a:satMod val="105000"/>
+                <a:tint val="67000"/>
+              </a:schemeClr>
+            </a:gs>
+            <a:gs pos="50000">
+              <a:schemeClr val="phClr">
+                <a:lumMod val="105000"/>
+                <a:satMod val="103000"/>
+                <a:tint val="73000"/>
+              </a:schemeClr>
+            </a:gs>
+            <a:gs pos="100000">
+              <a:schemeClr val="phClr">
+                <a:lumMod val="105000"/>
+                <a:satMod val="109000"/>
+                <a:tint val="81000"/>
+              </a:schemeClr>
+            </a:gs>
+          </a:gsLst>
+          <a:lin ang="5400000" scaled="0"/>
+        </a:gradFill>
+        <a:gradFill rotWithShape="1">
+          <a:gsLst>
+            <a:gs pos="0">
+              <a:schemeClr val="phClr">
+                <a:satMod val="103000"/>
+                <a:lumMod val="102000"/>
+                <a:tint val="94000"/>
+              </a:schemeClr>
+            </a:gs>
+            <a:gs pos="50000">
+              <a:schemeClr val="phClr">
+                <a:satMod val="110000"/>
+                <a:lumMod val="100000"/>
+                <a:shade val="100000"/>
+              </a:schemeClr>
+            </a:gs>
+            <a:gs pos="100000">
+              <a:schemeClr val="phClr">
+                <a:lumMod val="99000"/>
+                <a:satMod val="120000"/>
+                <a:shade val="78000"/>
+              </a:schemeClr>
+            </a:gs>
+          </a:gsLst>
+          <a:lin ang="5400000" scaled="0"/>
+        </a:gradFill>
+      </a:fillStyleLst>
+      <a:lnStyleLst>
+        <a:ln w="6350" cap="flat" cmpd="sng" algn="ctr">
+          <a:solidFill>
+            <a:schemeClr val="phClr"/>
+          </a:solidFill>
+          <a:prstDash val="solid"/>
+          <a:miter lim="800000"/>
+        </a:ln>
+        <a:ln w="12700" cap="flat" cmpd="sng" algn="ctr">
+          <a:solidFill>
+            <a:schemeClr val="phClr"/>
+          </a:solidFill>
+          <a:prstDash val="solid"/>
+          <a:miter lim="800000"/>
+        </a:ln>
+        <a:ln w="19050" cap="flat" cmpd="sng" algn="ctr">
+          <a:solidFill>
+            <a:schemeClr val="phClr"/>
+          </a:solidFill>
+          <a:prstDash val="solid"/>
+          <a:miter lim="800000"/>
+        </a:ln>
+      </a:lnStyleLst>
+      <a:effectStyleLst>
+        <a:effectStyle>
+          <a:effectLst/>
+        </a:effectStyle>
+        <a:effectStyle>
+          <a:effectLst/>
+        </a:effectStyle>
+        <a:effectStyle>
+          <a:effectLst>
+            <a:outerShdw blurRad="57150" dist="19050" dir="5400000" algn="ctr" rotWithShape="0">
+              <a:srgbClr val="000000">
+                <a:alpha val="63000"/>
+              </a:srgbClr>
+            </a:outerShdw>
+          </a:effectLst>
+        </a:effectStyle>
+      </a:effectStyleLst>
+      <a:bgFillStyleLst>
+        <a:solidFill>
+          <a:schemeClr val="phClr"/>
+        </a:solidFill>
+        <a:solidFill>
+          <a:schemeClr val="phClr">
+            <a:tint val="95000"/>
+            <a:satMod val="170000"/>
+          </a:schemeClr>
+        </a:solidFill>
+        <a:gradFill rotWithShape="1">
+          <a:gsLst>
+            <a:gs pos="0">
+              <a:schemeClr val="phClr">
+                <a:tint val="93000"/>
+                <a:satMod val="150000"/>
+                <a:shade val="98000"/>
+                <a:lumMod val="102000"/>
+              </a:schemeClr>
+            </a:gs>
+            <a:gs pos="50000">
+              <a:schemeClr val="phClr">
+                <a:tint val="98000"/>
+                <a:satMod val="130000"/>
+                <a:shade val="90000"/>
+                <a:lumMod val="103000"/>
+              </a:schemeClr>
+            </a:gs>
+            <a:gs pos="100000">
+              <a:schemeClr val="phClr">
+                <a:shade val="63000"/>
+                <a:satMod val="120000"/>
+              </a:schemeClr>
+            </a:gs>
+          </a:gsLst>
+          <a:lin ang="5400000" scaled="0"/>
+        </a:gradFill>
+      </a:bgFillStyleLst>
+    </a:fmtScheme>
+  </a:themeElements>
+  <a:objectDefaults/>
+  <a:extraClrSchemeLst/>
+  <a:extLst>
+    <a:ext uri="{05A4C25C-085E-4340-85A3-A5531E510DB2}">
+      <thm15:themeFamily xmlns:thm15="http://schemas.microsoft.com/office/thememl/2012/main" name="Office Theme" id="{62F939B6-93AF-4DB8-9C6B-D6C7DFDC589F}" vid="{4A3C46E8-61CC-4603-A589-7422A47A8E4A}"/>
+    </a:ext>
+  </a:extLst>
+</a:theme>
 </file>